--- a/[287期] PHP MySQL Final Project - 吳志豪.pptx
+++ b/[287期] PHP MySQL Final Project - 吳志豪.pptx
@@ -5,13 +5,16 @@
     <p:sldMasterId id="2147483660" r:id="rId1"/>
   </p:sldMasterIdLst>
   <p:notesMasterIdLst>
-    <p:notesMasterId r:id="rId6"/>
+    <p:notesMasterId r:id="rId9"/>
   </p:notesMasterIdLst>
   <p:sldIdLst>
     <p:sldId id="256" r:id="rId2"/>
     <p:sldId id="257" r:id="rId3"/>
     <p:sldId id="258" r:id="rId4"/>
-    <p:sldId id="259" r:id="rId5"/>
+    <p:sldId id="261" r:id="rId5"/>
+    <p:sldId id="259" r:id="rId6"/>
+    <p:sldId id="260" r:id="rId7"/>
+    <p:sldId id="262" r:id="rId8"/>
   </p:sldIdLst>
   <p:sldSz cx="9144000" cy="6858000" type="screen4x3"/>
   <p:notesSz cx="6858000" cy="9144000"/>
@@ -756,7 +759,7 @@
             <a:fld id="{538473F1-7622-4AD2-B0D8-A7C2527EDFE2}" type="datetime1">
               <a:rPr lang="zh-TW" altLang="en-US" smtClean="0"/>
               <a:pPr/>
-              <a:t>2017/8/20</a:t>
+              <a:t>2017/8/25</a:t>
             </a:fld>
             <a:endParaRPr lang="en-US" altLang="zh-TW"/>
           </a:p>
@@ -3812,7 +3815,7 @@
             <a:fld id="{5DD117B5-00C8-4587-B499-5446781E789B}" type="datetime1">
               <a:rPr lang="zh-TW" altLang="en-US" smtClean="0"/>
               <a:pPr/>
-              <a:t>2017/8/20</a:t>
+              <a:t>2017/8/25</a:t>
             </a:fld>
             <a:endParaRPr lang="en-US" altLang="zh-TW"/>
           </a:p>
@@ -3989,7 +3992,7 @@
             <a:fld id="{F50D2DF6-C4A7-41AE-ABAB-49219021D6E5}" type="datetime1">
               <a:rPr lang="zh-TW" altLang="en-US" smtClean="0"/>
               <a:pPr/>
-              <a:t>2017/8/20</a:t>
+              <a:t>2017/8/25</a:t>
             </a:fld>
             <a:endParaRPr lang="en-US" altLang="zh-TW"/>
           </a:p>
@@ -4156,7 +4159,7 @@
             <a:fld id="{783D51FF-348A-4F85-9A37-9CF4D63C2B30}" type="datetime1">
               <a:rPr lang="zh-TW" altLang="en-US" smtClean="0"/>
               <a:pPr/>
-              <a:t>2017/8/20</a:t>
+              <a:t>2017/8/25</a:t>
             </a:fld>
             <a:endParaRPr lang="en-US" altLang="zh-TW"/>
           </a:p>
@@ -4399,7 +4402,7 @@
             <a:fld id="{D3CE766A-B47A-42DC-9B3C-1C8F47B72036}" type="datetime1">
               <a:rPr lang="zh-TW" altLang="en-US" smtClean="0"/>
               <a:pPr/>
-              <a:t>2017/8/20</a:t>
+              <a:t>2017/8/25</a:t>
             </a:fld>
             <a:endParaRPr lang="en-US" altLang="zh-TW"/>
           </a:p>
@@ -4684,7 +4687,7 @@
             <a:fld id="{5AB25D64-6BA6-4D7C-9E1D-8B51CE0E0CED}" type="datetime1">
               <a:rPr lang="zh-TW" altLang="en-US" smtClean="0"/>
               <a:pPr/>
-              <a:t>2017/8/20</a:t>
+              <a:t>2017/8/25</a:t>
             </a:fld>
             <a:endParaRPr lang="en-US" altLang="zh-TW"/>
           </a:p>
@@ -5103,7 +5106,7 @@
             <a:fld id="{761DD325-6803-4814-BDC1-3B4897429E3C}" type="datetime1">
               <a:rPr lang="zh-TW" altLang="en-US" smtClean="0"/>
               <a:pPr/>
-              <a:t>2017/8/20</a:t>
+              <a:t>2017/8/25</a:t>
             </a:fld>
             <a:endParaRPr lang="en-US" altLang="zh-TW"/>
           </a:p>
@@ -5218,7 +5221,7 @@
             <a:fld id="{D7F22072-0931-461D-A68C-2EC00D5D3949}" type="datetime1">
               <a:rPr lang="zh-TW" altLang="en-US" smtClean="0"/>
               <a:pPr/>
-              <a:t>2017/8/20</a:t>
+              <a:t>2017/8/25</a:t>
             </a:fld>
             <a:endParaRPr lang="en-US" altLang="zh-TW"/>
           </a:p>
@@ -5310,7 +5313,7 @@
             <a:fld id="{AE60F580-3963-4466-A2CB-E922CD6E4E35}" type="datetime1">
               <a:rPr lang="zh-TW" altLang="en-US" smtClean="0"/>
               <a:pPr/>
-              <a:t>2017/8/20</a:t>
+              <a:t>2017/8/25</a:t>
             </a:fld>
             <a:endParaRPr lang="en-US" altLang="zh-TW"/>
           </a:p>
@@ -5584,7 +5587,7 @@
             <a:fld id="{ED9147B6-3A65-408B-A73B-FD71373C241A}" type="datetime1">
               <a:rPr lang="zh-TW" altLang="en-US" smtClean="0"/>
               <a:pPr/>
-              <a:t>2017/8/20</a:t>
+              <a:t>2017/8/25</a:t>
             </a:fld>
             <a:endParaRPr lang="en-US" altLang="zh-TW"/>
           </a:p>
@@ -5834,7 +5837,7 @@
             <a:fld id="{E215B87E-1CC8-4FA9-B7DF-85E6D39A0BCE}" type="datetime1">
               <a:rPr lang="zh-TW" altLang="en-US" smtClean="0"/>
               <a:pPr/>
-              <a:t>2017/8/20</a:t>
+              <a:t>2017/8/25</a:t>
             </a:fld>
             <a:endParaRPr lang="en-US" altLang="zh-TW"/>
           </a:p>
@@ -6044,7 +6047,7 @@
             <a:fld id="{A5A0CF12-DE80-4EA9-9884-793F2AF956C5}" type="datetime1">
               <a:rPr lang="zh-TW" altLang="en-US" smtClean="0"/>
               <a:pPr/>
-              <a:t>2017/8/20</a:t>
+              <a:t>2017/8/25</a:t>
             </a:fld>
             <a:endParaRPr lang="en-US" altLang="zh-TW"/>
           </a:p>
@@ -6627,7 +6630,7 @@
             <a:fld id="{92A65EBB-2D7C-41AD-9831-2C87F5706D5E}" type="datetime1">
               <a:rPr lang="zh-TW" altLang="en-US"/>
               <a:pPr/>
-              <a:t>2017/8/20</a:t>
+              <a:t>2017/8/25</a:t>
             </a:fld>
             <a:endParaRPr lang="en-US" altLang="zh-TW"/>
           </a:p>
@@ -6771,6 +6774,9 @@
             </a:pPr>
             <a:r>
               <a:rPr lang="zh-TW" altLang="en-US" sz="2400" dirty="0" smtClean="0">
+                <a:solidFill>
+                  <a:srgbClr val="0000FF"/>
+                </a:solidFill>
                 <a:ea typeface="標楷體" pitchFamily="65" charset="-120"/>
                 <a:cs typeface="Calibri" pitchFamily="34" charset="0"/>
               </a:rPr>
@@ -6778,6 +6784,9 @@
             </a:r>
             <a:r>
               <a:rPr lang="en-US" altLang="zh-TW" sz="2400" dirty="0" smtClean="0">
+                <a:solidFill>
+                  <a:srgbClr val="0000FF"/>
+                </a:solidFill>
                 <a:ea typeface="標楷體" pitchFamily="65" charset="-120"/>
                 <a:cs typeface="Calibri" pitchFamily="34" charset="0"/>
               </a:rPr>
@@ -6785,12 +6794,18 @@
             </a:r>
             <a:r>
               <a:rPr lang="zh-TW" altLang="en-US" sz="2400" dirty="0" smtClean="0">
+                <a:solidFill>
+                  <a:srgbClr val="0000FF"/>
+                </a:solidFill>
                 <a:ea typeface="標楷體" pitchFamily="65" charset="-120"/>
                 <a:cs typeface="Calibri" pitchFamily="34" charset="0"/>
               </a:rPr>
               <a:t>請成員空下時間</a:t>
             </a:r>
             <a:endParaRPr lang="en-US" altLang="zh-TW" sz="2400" dirty="0" smtClean="0">
+              <a:solidFill>
+                <a:srgbClr val="0000FF"/>
+              </a:solidFill>
               <a:ea typeface="標楷體" pitchFamily="65" charset="-120"/>
               <a:cs typeface="Calibri" pitchFamily="34" charset="0"/>
             </a:endParaRPr>
@@ -6806,6 +6821,9 @@
             </a:pPr>
             <a:r>
               <a:rPr lang="zh-TW" altLang="en-US" sz="2400" dirty="0" smtClean="0">
+                <a:solidFill>
+                  <a:srgbClr val="0000FF"/>
+                </a:solidFill>
                 <a:ea typeface="標楷體" pitchFamily="65" charset="-120"/>
                 <a:cs typeface="Calibri" pitchFamily="34" charset="0"/>
               </a:rPr>
@@ -6813,6 +6831,9 @@
             </a:r>
             <a:r>
               <a:rPr lang="en-US" altLang="zh-TW" sz="2400" dirty="0" smtClean="0">
+                <a:solidFill>
+                  <a:srgbClr val="0000FF"/>
+                </a:solidFill>
                 <a:ea typeface="標楷體" pitchFamily="65" charset="-120"/>
                 <a:cs typeface="Calibri" pitchFamily="34" charset="0"/>
               </a:rPr>
@@ -6820,12 +6841,18 @@
             </a:r>
             <a:r>
               <a:rPr lang="zh-TW" altLang="en-US" sz="2400" dirty="0" smtClean="0">
+                <a:solidFill>
+                  <a:srgbClr val="0000FF"/>
+                </a:solidFill>
                 <a:ea typeface="標楷體" pitchFamily="65" charset="-120"/>
                 <a:cs typeface="Calibri" pitchFamily="34" charset="0"/>
               </a:rPr>
               <a:t>或同學聚會等</a:t>
             </a:r>
             <a:endParaRPr lang="en-US" altLang="zh-TW" sz="2400" dirty="0" smtClean="0">
+              <a:solidFill>
+                <a:srgbClr val="0000FF"/>
+              </a:solidFill>
               <a:ea typeface="標楷體" pitchFamily="65" charset="-120"/>
               <a:cs typeface="Calibri" pitchFamily="34" charset="0"/>
             </a:endParaRPr>
@@ -6841,12 +6868,28 @@
             </a:pPr>
             <a:r>
               <a:rPr lang="zh-TW" altLang="en-US" sz="2400" dirty="0" smtClean="0">
+                <a:solidFill>
+                  <a:srgbClr val="0000FF"/>
+                </a:solidFill>
                 <a:ea typeface="標楷體" pitchFamily="65" charset="-120"/>
                 <a:cs typeface="Calibri" pitchFamily="34" charset="0"/>
               </a:rPr>
-              <a:t>查看未來一週內活動</a:t>
+              <a:t>查看未來一週內</a:t>
+            </a:r>
+            <a:r>
+              <a:rPr lang="zh-TW" altLang="en-US" sz="2400" dirty="0" smtClean="0">
+                <a:solidFill>
+                  <a:srgbClr val="0000FF"/>
+                </a:solidFill>
+                <a:ea typeface="標楷體" pitchFamily="65" charset="-120"/>
+                <a:cs typeface="Calibri" pitchFamily="34" charset="0"/>
+              </a:rPr>
+              <a:t>活動</a:t>
             </a:r>
             <a:endParaRPr lang="en-US" altLang="zh-TW" sz="2400" dirty="0" smtClean="0">
+              <a:solidFill>
+                <a:srgbClr val="0000FF"/>
+              </a:solidFill>
               <a:ea typeface="標楷體" pitchFamily="65" charset="-120"/>
               <a:cs typeface="Calibri" pitchFamily="34" charset="0"/>
             </a:endParaRPr>
@@ -6898,27 +6941,7 @@
                 <a:ea typeface="標楷體" pitchFamily="65" charset="-120"/>
                 <a:cs typeface="Calibri" pitchFamily="34" charset="0"/>
               </a:rPr>
-              <a:t> (</a:t>
-            </a:r>
-            <a:r>
-              <a:rPr lang="zh-TW" altLang="en-US" sz="2400" dirty="0" smtClean="0">
-                <a:solidFill>
-                  <a:srgbClr val="FF0000"/>
-                </a:solidFill>
-                <a:ea typeface="標楷體" pitchFamily="65" charset="-120"/>
-                <a:cs typeface="Calibri" pitchFamily="34" charset="0"/>
-              </a:rPr>
-              <a:t>重要</a:t>
-            </a:r>
-            <a:r>
-              <a:rPr lang="en-US" altLang="zh-TW" sz="2400" dirty="0" smtClean="0">
-                <a:solidFill>
-                  <a:srgbClr val="FF0000"/>
-                </a:solidFill>
-                <a:ea typeface="標楷體" pitchFamily="65" charset="-120"/>
-                <a:cs typeface="Calibri" pitchFamily="34" charset="0"/>
-              </a:rPr>
-              <a:t>)</a:t>
+              <a:t>(under construction)</a:t>
             </a:r>
             <a:endParaRPr lang="en" altLang="zh-TW" sz="2400" dirty="0" smtClean="0">
               <a:solidFill>
@@ -6977,7 +7000,7 @@
             <a:fld id="{783D51FF-348A-4F85-9A37-9CF4D63C2B30}" type="datetime1">
               <a:rPr lang="zh-TW" altLang="en-US" smtClean="0"/>
               <a:pPr/>
-              <a:t>2017/8/20</a:t>
+              <a:t>2017/8/25</a:t>
             </a:fld>
             <a:endParaRPr lang="en-US" altLang="zh-TW"/>
           </a:p>
@@ -7067,7 +7090,7 @@
             <a:fld id="{783D51FF-348A-4F85-9A37-9CF4D63C2B30}" type="datetime1">
               <a:rPr lang="zh-TW" altLang="en-US" smtClean="0"/>
               <a:pPr/>
-              <a:t>2017/8/20</a:t>
+              <a:t>2017/8/25</a:t>
             </a:fld>
             <a:endParaRPr lang="en-US" altLang="zh-TW"/>
           </a:p>
@@ -7263,12 +7286,23 @@
               <a:buNone/>
             </a:pPr>
             <a:r>
-              <a:rPr lang="en" sz="1800">
+              <a:rPr lang="en" dirty="0" smtClean="0">
                 <a:latin typeface="+mn-lt"/>
                 <a:ea typeface="標楷體" pitchFamily="65" charset="-120"/>
               </a:rPr>
-              <a:t>main.php</a:t>
-            </a:r>
+              <a:t>memo</a:t>
+            </a:r>
+            <a:r>
+              <a:rPr lang="en" sz="1800" dirty="0" smtClean="0">
+                <a:latin typeface="+mn-lt"/>
+                <a:ea typeface="標楷體" pitchFamily="65" charset="-120"/>
+              </a:rPr>
+              <a:t>.php</a:t>
+            </a:r>
+            <a:endParaRPr lang="en" sz="1800" dirty="0">
+              <a:latin typeface="+mn-lt"/>
+              <a:ea typeface="標楷體" pitchFamily="65" charset="-120"/>
+            </a:endParaRPr>
           </a:p>
           <a:p>
             <a:pPr lvl="0" algn="ctr" rtl="0">
@@ -7278,12 +7312,23 @@
               <a:buNone/>
             </a:pPr>
             <a:r>
-              <a:rPr lang="en" sz="1800">
+              <a:rPr lang="zh-TW" altLang="en-US" dirty="0" smtClean="0">
                 <a:latin typeface="+mn-lt"/>
                 <a:ea typeface="標楷體" pitchFamily="65" charset="-120"/>
               </a:rPr>
-              <a:t>會員主頁</a:t>
-            </a:r>
+              <a:t>備忘</a:t>
+            </a:r>
+            <a:r>
+              <a:rPr lang="en" sz="1800" dirty="0" smtClean="0">
+                <a:latin typeface="+mn-lt"/>
+                <a:ea typeface="標楷體" pitchFamily="65" charset="-120"/>
+              </a:rPr>
+              <a:t>主頁</a:t>
+            </a:r>
+            <a:endParaRPr lang="en" sz="1800" dirty="0">
+              <a:latin typeface="+mn-lt"/>
+              <a:ea typeface="標楷體" pitchFamily="65" charset="-120"/>
+            </a:endParaRPr>
           </a:p>
         </p:txBody>
       </p:sp>
@@ -7593,7 +7638,7 @@
         <p:spPr>
           <a:xfrm>
             <a:off x="35496" y="4198238"/>
-            <a:ext cx="1721700" cy="1004100"/>
+            <a:ext cx="1800200" cy="1004100"/>
           </a:xfrm>
           <a:prstGeom prst="rect">
             <a:avLst/>
@@ -7622,12 +7667,16 @@
               <a:buNone/>
             </a:pPr>
             <a:r>
-              <a:rPr lang="en" sz="1800">
+              <a:rPr lang="en" sz="1600" dirty="0" smtClean="0">
                 <a:latin typeface="+mn-lt"/>
                 <a:ea typeface="標楷體" pitchFamily="65" charset="-120"/>
               </a:rPr>
-              <a:t>addmem.php</a:t>
-            </a:r>
+              <a:t>addmember.php</a:t>
+            </a:r>
+            <a:endParaRPr lang="en" sz="1600" dirty="0">
+              <a:latin typeface="+mn-lt"/>
+              <a:ea typeface="標楷體" pitchFamily="65" charset="-120"/>
+            </a:endParaRPr>
           </a:p>
           <a:p>
             <a:pPr lvl="0" algn="ctr" rtl="0">
@@ -7637,7 +7686,7 @@
               <a:buNone/>
             </a:pPr>
             <a:r>
-              <a:rPr lang="en" sz="1800">
+              <a:rPr lang="en" sz="1600" dirty="0">
                 <a:latin typeface="+mn-lt"/>
                 <a:ea typeface="標楷體" pitchFamily="65" charset="-120"/>
               </a:rPr>
@@ -7749,7 +7798,7 @@
         <p:spPr>
           <a:xfrm>
             <a:off x="896346" y="3404188"/>
-            <a:ext cx="0" cy="794100"/>
+            <a:ext cx="39250" cy="794050"/>
           </a:xfrm>
           <a:prstGeom prst="straightConnector1">
             <a:avLst/>
@@ -7921,7 +7970,7 @@
         </p:nvSpPr>
         <p:spPr>
           <a:xfrm>
-            <a:off x="2320531" y="3737658"/>
+            <a:off x="2411760" y="4941168"/>
             <a:ext cx="2448272" cy="288031"/>
           </a:xfrm>
           <a:prstGeom prst="rect">
@@ -8035,9 +8084,61 @@
                 <a:latin typeface="+mn-lt"/>
                 <a:ea typeface="標楷體" pitchFamily="65" charset="-120"/>
               </a:rPr>
-              <a:t>刪除備忘事項</a:t>
+              <a:t>刪除備忘</a:t>
+            </a:r>
+            <a:r>
+              <a:rPr lang="zh-TW" altLang="en-US" sz="1600" dirty="0" smtClean="0">
+                <a:latin typeface="+mn-lt"/>
+                <a:ea typeface="標楷體" pitchFamily="65" charset="-120"/>
+              </a:rPr>
+              <a:t>事項</a:t>
+            </a:r>
+            <a:endParaRPr lang="en-US" altLang="zh-TW" sz="1600" dirty="0" smtClean="0">
+              <a:latin typeface="+mn-lt"/>
+              <a:ea typeface="標楷體" pitchFamily="65" charset="-120"/>
+            </a:endParaRPr>
+          </a:p>
+          <a:p>
+            <a:pPr lvl="0" algn="ctr" rtl="0">
+              <a:spcBef>
+                <a:spcPts val="0"/>
+              </a:spcBef>
+              <a:buNone/>
+            </a:pPr>
+            <a:r>
+              <a:rPr lang="en-US" altLang="zh-TW" sz="1600" dirty="0" smtClean="0">
+                <a:solidFill>
+                  <a:srgbClr val="FF0000"/>
+                </a:solidFill>
+                <a:latin typeface="+mn-lt"/>
+                <a:ea typeface="標楷體" pitchFamily="65" charset="-120"/>
+              </a:rPr>
+              <a:t>&lt;</a:t>
+            </a:r>
+            <a:r>
+              <a:rPr lang="zh-TW" altLang="en-US" sz="1600" dirty="0" smtClean="0">
+                <a:solidFill>
+                  <a:srgbClr val="FF0000"/>
+                </a:solidFill>
+                <a:latin typeface="+mn-lt"/>
+                <a:ea typeface="標楷體" pitchFamily="65" charset="-120"/>
+              </a:rPr>
+              <a:t>建構中</a:t>
+            </a:r>
+            <a:r>
+              <a:rPr lang="en-US" altLang="zh-TW" sz="1600" dirty="0" smtClean="0">
+                <a:solidFill>
+                  <a:srgbClr val="FF0000"/>
+                </a:solidFill>
+                <a:latin typeface="+mn-lt"/>
+                <a:ea typeface="標楷體" pitchFamily="65" charset="-120"/>
+              </a:rPr>
+              <a:t>&gt;</a:t>
             </a:r>
             <a:endParaRPr lang="en" sz="1600" dirty="0">
+              <a:solidFill>
+                <a:srgbClr val="FF0000"/>
+              </a:solidFill>
               <a:latin typeface="+mn-lt"/>
               <a:ea typeface="標楷體" pitchFamily="65" charset="-120"/>
             </a:endParaRPr>
@@ -8117,7 +8218,14 @@
                 <a:latin typeface="+mn-lt"/>
                 <a:ea typeface="標楷體" pitchFamily="65" charset="-120"/>
               </a:rPr>
-              <a:t>memo.php</a:t>
+              <a:t>post</a:t>
+            </a:r>
+            <a:r>
+              <a:rPr lang="en" sz="1600" dirty="0" smtClean="0">
+                <a:latin typeface="+mn-lt"/>
+                <a:ea typeface="標楷體" pitchFamily="65" charset="-120"/>
+              </a:rPr>
+              <a:t>.php</a:t>
             </a:r>
             <a:endParaRPr lang="en" sz="1600" dirty="0">
               <a:latin typeface="+mn-lt"/>
@@ -8237,9 +8345,61 @@
                 <a:latin typeface="+mn-lt"/>
                 <a:ea typeface="標楷體" pitchFamily="65" charset="-120"/>
               </a:rPr>
-              <a:t>提醒隔天事項</a:t>
+              <a:t>提醒隔天</a:t>
+            </a:r>
+            <a:r>
+              <a:rPr lang="zh-TW" altLang="en-US" sz="1600" dirty="0" smtClean="0">
+                <a:latin typeface="+mn-lt"/>
+                <a:ea typeface="標楷體" pitchFamily="65" charset="-120"/>
+              </a:rPr>
+              <a:t>事項</a:t>
+            </a:r>
+            <a:endParaRPr lang="en-US" altLang="zh-TW" sz="1600" dirty="0" smtClean="0">
+              <a:latin typeface="+mn-lt"/>
+              <a:ea typeface="標楷體" pitchFamily="65" charset="-120"/>
+            </a:endParaRPr>
+          </a:p>
+          <a:p>
+            <a:pPr lvl="0" algn="ctr" rtl="0">
+              <a:spcBef>
+                <a:spcPts val="0"/>
+              </a:spcBef>
+              <a:buNone/>
+            </a:pPr>
+            <a:r>
+              <a:rPr lang="en-US" sz="1600" dirty="0" smtClean="0">
+                <a:solidFill>
+                  <a:srgbClr val="FF0000"/>
+                </a:solidFill>
+                <a:latin typeface="+mn-lt"/>
+                <a:ea typeface="標楷體" pitchFamily="65" charset="-120"/>
+              </a:rPr>
+              <a:t>&lt;</a:t>
+            </a:r>
+            <a:r>
+              <a:rPr lang="zh-TW" altLang="en-US" sz="1600" dirty="0" smtClean="0">
+                <a:solidFill>
+                  <a:srgbClr val="FF0000"/>
+                </a:solidFill>
+                <a:latin typeface="+mn-lt"/>
+                <a:ea typeface="標楷體" pitchFamily="65" charset="-120"/>
+              </a:rPr>
+              <a:t>建構中</a:t>
+            </a:r>
+            <a:r>
+              <a:rPr lang="en-US" altLang="zh-TW" sz="1600" dirty="0" smtClean="0">
+                <a:solidFill>
+                  <a:srgbClr val="FF0000"/>
+                </a:solidFill>
+                <a:latin typeface="+mn-lt"/>
+                <a:ea typeface="標楷體" pitchFamily="65" charset="-120"/>
+              </a:rPr>
+              <a:t>&gt;</a:t>
             </a:r>
             <a:endParaRPr lang="en" sz="1600" dirty="0">
+              <a:solidFill>
+                <a:srgbClr val="FF0000"/>
+              </a:solidFill>
               <a:latin typeface="+mn-lt"/>
               <a:ea typeface="標楷體" pitchFamily="65" charset="-120"/>
             </a:endParaRPr>
@@ -8274,6 +8434,136 @@
             <a:tailEnd type="triangle" w="lg" len="lg"/>
           </a:ln>
         </p:spPr>
+      </p:cxnSp>
+      <p:sp>
+        <p:nvSpPr>
+          <p:cNvPr id="31" name="Shape 77"/>
+          <p:cNvSpPr/>
+          <p:nvPr/>
+        </p:nvSpPr>
+        <p:spPr>
+          <a:xfrm>
+            <a:off x="3477366" y="3933056"/>
+            <a:ext cx="1461300" cy="777600"/>
+          </a:xfrm>
+          <a:prstGeom prst="rect">
+            <a:avLst/>
+          </a:prstGeom>
+          <a:noFill/>
+          <a:ln w="9525" cap="flat" cmpd="sng">
+            <a:solidFill>
+              <a:srgbClr val="000000"/>
+            </a:solidFill>
+            <a:prstDash val="solid"/>
+            <a:round/>
+            <a:headEnd type="none" w="med" len="med"/>
+            <a:tailEnd type="none" w="med" len="med"/>
+          </a:ln>
+        </p:spPr>
+        <p:txBody>
+          <a:bodyPr lIns="91425" tIns="91425" rIns="91425" bIns="91425" anchor="ctr" anchorCtr="0">
+            <a:noAutofit/>
+          </a:bodyPr>
+          <a:lstStyle/>
+          <a:p>
+            <a:pPr lvl="0" algn="ctr" rtl="0">
+              <a:spcBef>
+                <a:spcPts val="0"/>
+              </a:spcBef>
+              <a:buNone/>
+            </a:pPr>
+            <a:r>
+              <a:rPr lang="en" sz="1600" dirty="0" smtClean="0">
+                <a:latin typeface="+mn-lt"/>
+                <a:ea typeface="標楷體" pitchFamily="65" charset="-120"/>
+              </a:rPr>
+              <a:t>main</a:t>
+            </a:r>
+            <a:r>
+              <a:rPr lang="en" sz="1600" dirty="0" smtClean="0">
+                <a:latin typeface="+mn-lt"/>
+                <a:ea typeface="標楷體" pitchFamily="65" charset="-120"/>
+              </a:rPr>
+              <a:t>.php</a:t>
+            </a:r>
+            <a:endParaRPr lang="en" sz="1600" dirty="0">
+              <a:latin typeface="+mn-lt"/>
+              <a:ea typeface="標楷體" pitchFamily="65" charset="-120"/>
+            </a:endParaRPr>
+          </a:p>
+          <a:p>
+            <a:pPr lvl="0" algn="ctr" rtl="0">
+              <a:spcBef>
+                <a:spcPts val="0"/>
+              </a:spcBef>
+              <a:buNone/>
+            </a:pPr>
+            <a:r>
+              <a:rPr lang="en" sz="1600" dirty="0" smtClean="0">
+                <a:latin typeface="+mn-lt"/>
+                <a:ea typeface="標楷體" pitchFamily="65" charset="-120"/>
+              </a:rPr>
+              <a:t>更新</a:t>
+            </a:r>
+            <a:r>
+              <a:rPr lang="zh-TW" altLang="en-US" sz="1600" dirty="0" smtClean="0">
+                <a:latin typeface="+mn-lt"/>
+                <a:ea typeface="標楷體" pitchFamily="65" charset="-120"/>
+              </a:rPr>
+              <a:t>後</a:t>
+            </a:r>
+            <a:r>
+              <a:rPr lang="en" sz="1600" dirty="0" smtClean="0">
+                <a:latin typeface="+mn-lt"/>
+                <a:ea typeface="標楷體" pitchFamily="65" charset="-120"/>
+              </a:rPr>
+              <a:t>資料</a:t>
+            </a:r>
+            <a:endParaRPr lang="en" sz="1600" dirty="0">
+              <a:latin typeface="+mn-lt"/>
+              <a:ea typeface="標楷體" pitchFamily="65" charset="-120"/>
+            </a:endParaRPr>
+          </a:p>
+        </p:txBody>
+      </p:sp>
+      <p:cxnSp>
+        <p:nvCxnSpPr>
+          <p:cNvPr id="35" name="直線單箭頭接點 34"/>
+          <p:cNvCxnSpPr>
+            <a:stCxn id="13" idx="2"/>
+            <a:endCxn id="31" idx="0"/>
+          </p:cNvCxnSpPr>
+          <p:nvPr/>
+        </p:nvCxnSpPr>
+        <p:spPr>
+          <a:xfrm>
+            <a:off x="4203309" y="3651161"/>
+            <a:ext cx="4707" cy="281895"/>
+          </a:xfrm>
+          <a:prstGeom prst="straightConnector1">
+            <a:avLst/>
+          </a:prstGeom>
+          <a:ln w="28575">
+            <a:solidFill>
+              <a:schemeClr val="tx1"/>
+            </a:solidFill>
+            <a:tailEnd type="arrow"/>
+          </a:ln>
+        </p:spPr>
+        <p:style>
+          <a:lnRef idx="1">
+            <a:schemeClr val="accent1"/>
+          </a:lnRef>
+          <a:fillRef idx="0">
+            <a:schemeClr val="accent1"/>
+          </a:fillRef>
+          <a:effectRef idx="0">
+            <a:schemeClr val="accent1"/>
+          </a:effectRef>
+          <a:fontRef idx="minor">
+            <a:schemeClr val="tx1"/>
+          </a:fontRef>
+        </p:style>
       </p:cxnSp>
     </p:spTree>
   </p:cSld>
@@ -8309,6 +8599,377 @@
       </p:grpSpPr>
       <p:sp>
         <p:nvSpPr>
+          <p:cNvPr id="2" name="標題 1"/>
+          <p:cNvSpPr>
+            <a:spLocks noGrp="1"/>
+          </p:cNvSpPr>
+          <p:nvPr>
+            <p:ph type="title"/>
+          </p:nvPr>
+        </p:nvSpPr>
+        <p:spPr>
+          <a:xfrm>
+            <a:off x="457200" y="-99392"/>
+            <a:ext cx="8229600" cy="1143000"/>
+          </a:xfrm>
+        </p:spPr>
+        <p:txBody>
+          <a:bodyPr/>
+          <a:lstStyle/>
+          <a:p>
+            <a:r>
+              <a:rPr lang="zh-TW" altLang="en-US" dirty="0" smtClean="0">
+                <a:latin typeface="+mn-lt"/>
+                <a:ea typeface="標楷體" pitchFamily="65" charset="-120"/>
+              </a:rPr>
+              <a:t>續前頁</a:t>
+            </a:r>
+            <a:endParaRPr lang="zh-TW" altLang="en-US" dirty="0">
+              <a:latin typeface="+mn-lt"/>
+              <a:ea typeface="標楷體" pitchFamily="65" charset="-120"/>
+            </a:endParaRPr>
+          </a:p>
+        </p:txBody>
+      </p:sp>
+      <p:sp>
+        <p:nvSpPr>
+          <p:cNvPr id="4" name="日期版面配置區 3"/>
+          <p:cNvSpPr>
+            <a:spLocks noGrp="1"/>
+          </p:cNvSpPr>
+          <p:nvPr>
+            <p:ph type="dt" sz="half" idx="10"/>
+          </p:nvPr>
+        </p:nvSpPr>
+        <p:spPr/>
+        <p:txBody>
+          <a:bodyPr/>
+          <a:lstStyle/>
+          <a:p>
+            <a:fld id="{783D51FF-348A-4F85-9A37-9CF4D63C2B30}" type="datetime1">
+              <a:rPr lang="zh-TW" altLang="en-US" smtClean="0"/>
+              <a:pPr/>
+              <a:t>2017/8/25</a:t>
+            </a:fld>
+            <a:endParaRPr lang="en-US" altLang="zh-TW"/>
+          </a:p>
+        </p:txBody>
+      </p:sp>
+      <p:sp>
+        <p:nvSpPr>
+          <p:cNvPr id="5" name="Shape 69"/>
+          <p:cNvSpPr/>
+          <p:nvPr/>
+        </p:nvSpPr>
+        <p:spPr>
+          <a:xfrm>
+            <a:off x="2181920" y="1149796"/>
+            <a:ext cx="1461300" cy="777600"/>
+          </a:xfrm>
+          <a:prstGeom prst="rect">
+            <a:avLst/>
+          </a:prstGeom>
+          <a:noFill/>
+          <a:ln w="9525" cap="flat" cmpd="sng">
+            <a:solidFill>
+              <a:srgbClr val="000000"/>
+            </a:solidFill>
+            <a:prstDash val="solid"/>
+            <a:round/>
+            <a:headEnd type="none" w="med" len="med"/>
+            <a:tailEnd type="none" w="med" len="med"/>
+          </a:ln>
+        </p:spPr>
+        <p:txBody>
+          <a:bodyPr lIns="91425" tIns="91425" rIns="91425" bIns="91425" anchor="ctr" anchorCtr="0">
+            <a:noAutofit/>
+          </a:bodyPr>
+          <a:lstStyle/>
+          <a:p>
+            <a:pPr lvl="0" algn="ctr" rtl="0">
+              <a:spcBef>
+                <a:spcPts val="0"/>
+              </a:spcBef>
+              <a:buNone/>
+            </a:pPr>
+            <a:r>
+              <a:rPr lang="en" sz="1800" dirty="0">
+                <a:latin typeface="+mn-lt"/>
+                <a:ea typeface="標楷體" pitchFamily="65" charset="-120"/>
+              </a:rPr>
+              <a:t>index.php</a:t>
+            </a:r>
+          </a:p>
+          <a:p>
+            <a:pPr lvl="0" algn="ctr" rtl="0">
+              <a:spcBef>
+                <a:spcPts val="0"/>
+              </a:spcBef>
+              <a:buNone/>
+            </a:pPr>
+            <a:r>
+              <a:rPr lang="en" sz="1800" dirty="0">
+                <a:latin typeface="+mn-lt"/>
+                <a:ea typeface="標楷體" pitchFamily="65" charset="-120"/>
+              </a:rPr>
+              <a:t>首頁</a:t>
+            </a:r>
+          </a:p>
+        </p:txBody>
+      </p:sp>
+      <p:sp>
+        <p:nvSpPr>
+          <p:cNvPr id="14" name="Shape 78"/>
+          <p:cNvSpPr/>
+          <p:nvPr/>
+        </p:nvSpPr>
+        <p:spPr>
+          <a:xfrm>
+            <a:off x="2051720" y="2721446"/>
+            <a:ext cx="1721700" cy="777600"/>
+          </a:xfrm>
+          <a:prstGeom prst="rect">
+            <a:avLst/>
+          </a:prstGeom>
+          <a:noFill/>
+          <a:ln w="9525" cap="flat" cmpd="sng">
+            <a:solidFill>
+              <a:srgbClr val="000000"/>
+            </a:solidFill>
+            <a:prstDash val="solid"/>
+            <a:round/>
+            <a:headEnd type="none" w="med" len="med"/>
+            <a:tailEnd type="none" w="med" len="med"/>
+          </a:ln>
+        </p:spPr>
+        <p:txBody>
+          <a:bodyPr lIns="91425" tIns="91425" rIns="91425" bIns="91425" anchor="ctr" anchorCtr="0">
+            <a:noAutofit/>
+          </a:bodyPr>
+          <a:lstStyle/>
+          <a:p>
+            <a:pPr lvl="0" algn="ctr" rtl="0">
+              <a:spcBef>
+                <a:spcPts val="0"/>
+              </a:spcBef>
+              <a:buNone/>
+            </a:pPr>
+            <a:r>
+              <a:rPr lang="en-US" dirty="0" smtClean="0">
+                <a:latin typeface="+mn-lt"/>
+                <a:ea typeface="標楷體" pitchFamily="65" charset="-120"/>
+              </a:rPr>
+              <a:t>F</a:t>
+            </a:r>
+            <a:r>
+              <a:rPr lang="en" dirty="0" smtClean="0">
+                <a:latin typeface="+mn-lt"/>
+                <a:ea typeface="標楷體" pitchFamily="65" charset="-120"/>
+              </a:rPr>
+              <a:t>orget_pwd</a:t>
+            </a:r>
+            <a:r>
+              <a:rPr lang="en" sz="1800" dirty="0" smtClean="0">
+                <a:latin typeface="+mn-lt"/>
+                <a:ea typeface="標楷體" pitchFamily="65" charset="-120"/>
+              </a:rPr>
+              <a:t>.php</a:t>
+            </a:r>
+            <a:endParaRPr lang="en" sz="1800" dirty="0">
+              <a:latin typeface="+mn-lt"/>
+              <a:ea typeface="標楷體" pitchFamily="65" charset="-120"/>
+            </a:endParaRPr>
+          </a:p>
+          <a:p>
+            <a:pPr lvl="0" algn="ctr" rtl="0">
+              <a:spcBef>
+                <a:spcPts val="0"/>
+              </a:spcBef>
+              <a:buNone/>
+            </a:pPr>
+            <a:r>
+              <a:rPr lang="zh-TW" altLang="en-US" dirty="0" smtClean="0">
+                <a:latin typeface="+mn-lt"/>
+                <a:ea typeface="標楷體" pitchFamily="65" charset="-120"/>
+              </a:rPr>
+              <a:t>忘記密碼</a:t>
+            </a:r>
+            <a:endParaRPr lang="en" sz="1800" dirty="0">
+              <a:latin typeface="+mn-lt"/>
+              <a:ea typeface="標楷體" pitchFamily="65" charset="-120"/>
+            </a:endParaRPr>
+          </a:p>
+        </p:txBody>
+      </p:sp>
+      <p:sp>
+        <p:nvSpPr>
+          <p:cNvPr id="15" name="Shape 79"/>
+          <p:cNvSpPr/>
+          <p:nvPr/>
+        </p:nvSpPr>
+        <p:spPr>
+          <a:xfrm>
+            <a:off x="2051720" y="4293096"/>
+            <a:ext cx="1800200" cy="1004100"/>
+          </a:xfrm>
+          <a:prstGeom prst="rect">
+            <a:avLst/>
+          </a:prstGeom>
+          <a:noFill/>
+          <a:ln w="9525" cap="flat" cmpd="sng">
+            <a:solidFill>
+              <a:srgbClr val="000000"/>
+            </a:solidFill>
+            <a:prstDash val="solid"/>
+            <a:round/>
+            <a:headEnd type="none" w="med" len="med"/>
+            <a:tailEnd type="none" w="med" len="med"/>
+          </a:ln>
+        </p:spPr>
+        <p:txBody>
+          <a:bodyPr lIns="91425" tIns="91425" rIns="91425" bIns="91425" anchor="ctr" anchorCtr="0">
+            <a:noAutofit/>
+          </a:bodyPr>
+          <a:lstStyle/>
+          <a:p>
+            <a:pPr lvl="0" algn="ctr" rtl="0">
+              <a:spcBef>
+                <a:spcPts val="0"/>
+              </a:spcBef>
+              <a:buNone/>
+            </a:pPr>
+            <a:r>
+              <a:rPr lang="en-US" sz="1600" dirty="0" smtClean="0">
+                <a:latin typeface="+mn-lt"/>
+                <a:ea typeface="標楷體" pitchFamily="65" charset="-120"/>
+              </a:rPr>
+              <a:t>S</a:t>
+            </a:r>
+            <a:r>
+              <a:rPr lang="en" sz="1600" dirty="0" smtClean="0">
+                <a:latin typeface="+mn-lt"/>
+                <a:ea typeface="標楷體" pitchFamily="65" charset="-120"/>
+              </a:rPr>
+              <a:t>end_pwd.php</a:t>
+            </a:r>
+            <a:endParaRPr lang="en" sz="1600" dirty="0">
+              <a:latin typeface="+mn-lt"/>
+              <a:ea typeface="標楷體" pitchFamily="65" charset="-120"/>
+            </a:endParaRPr>
+          </a:p>
+          <a:p>
+            <a:pPr lvl="0" algn="ctr" rtl="0">
+              <a:spcBef>
+                <a:spcPts val="0"/>
+              </a:spcBef>
+              <a:buNone/>
+            </a:pPr>
+            <a:r>
+              <a:rPr lang="zh-TW" altLang="en-US" sz="1600" dirty="0" smtClean="0">
+                <a:latin typeface="+mn-lt"/>
+                <a:ea typeface="標楷體" pitchFamily="65" charset="-120"/>
+              </a:rPr>
+              <a:t>重送密碼</a:t>
+            </a:r>
+            <a:endParaRPr lang="en" sz="1600" dirty="0">
+              <a:latin typeface="+mn-lt"/>
+              <a:ea typeface="標楷體" pitchFamily="65" charset="-120"/>
+            </a:endParaRPr>
+          </a:p>
+        </p:txBody>
+      </p:sp>
+      <p:cxnSp>
+        <p:nvCxnSpPr>
+          <p:cNvPr id="17" name="Shape 81"/>
+          <p:cNvCxnSpPr>
+            <a:stCxn id="5" idx="2"/>
+            <a:endCxn id="14" idx="0"/>
+          </p:cNvCxnSpPr>
+          <p:nvPr/>
+        </p:nvCxnSpPr>
+        <p:spPr>
+          <a:xfrm>
+            <a:off x="2912570" y="1927396"/>
+            <a:ext cx="0" cy="794100"/>
+          </a:xfrm>
+          <a:prstGeom prst="straightConnector1">
+            <a:avLst/>
+          </a:prstGeom>
+          <a:noFill/>
+          <a:ln w="28575" cap="flat" cmpd="sng">
+            <a:solidFill>
+              <a:srgbClr val="000000"/>
+            </a:solidFill>
+            <a:prstDash val="solid"/>
+            <a:round/>
+            <a:headEnd type="none" w="lg" len="lg"/>
+            <a:tailEnd type="triangle" w="lg" len="lg"/>
+          </a:ln>
+        </p:spPr>
+      </p:cxnSp>
+      <p:cxnSp>
+        <p:nvCxnSpPr>
+          <p:cNvPr id="18" name="Shape 82"/>
+          <p:cNvCxnSpPr>
+            <a:stCxn id="14" idx="2"/>
+            <a:endCxn id="15" idx="0"/>
+          </p:cNvCxnSpPr>
+          <p:nvPr/>
+        </p:nvCxnSpPr>
+        <p:spPr>
+          <a:xfrm>
+            <a:off x="2912570" y="3499046"/>
+            <a:ext cx="39250" cy="794050"/>
+          </a:xfrm>
+          <a:prstGeom prst="straightConnector1">
+            <a:avLst/>
+          </a:prstGeom>
+          <a:noFill/>
+          <a:ln w="28575" cap="flat" cmpd="sng">
+            <a:solidFill>
+              <a:srgbClr val="000000"/>
+            </a:solidFill>
+            <a:prstDash val="solid"/>
+            <a:round/>
+            <a:headEnd type="none" w="lg" len="lg"/>
+            <a:tailEnd type="triangle" w="lg" len="lg"/>
+          </a:ln>
+        </p:spPr>
+      </p:cxnSp>
+    </p:spTree>
+  </p:cSld>
+  <p:clrMapOvr>
+    <a:masterClrMapping/>
+  </p:clrMapOvr>
+  <p:timing>
+    <p:tnLst>
+      <p:par>
+        <p:cTn id="1" dur="indefinite" restart="never" nodeType="tmRoot"/>
+      </p:par>
+    </p:tnLst>
+  </p:timing>
+</p:sld>
+</file>
+
+<file path=ppt/slides/slide5.xml><?xml version="1.0" encoding="utf-8"?>
+<p:sld xmlns:a="http://schemas.openxmlformats.org/drawingml/2006/main" xmlns:r="http://schemas.openxmlformats.org/officeDocument/2006/relationships" xmlns:p="http://schemas.openxmlformats.org/presentationml/2006/main">
+  <p:cSld>
+    <p:spTree>
+      <p:nvGrpSpPr>
+        <p:cNvPr id="1" name=""/>
+        <p:cNvGrpSpPr/>
+        <p:nvPr/>
+      </p:nvGrpSpPr>
+      <p:grpSpPr>
+        <a:xfrm>
+          <a:off x="0" y="0"/>
+          <a:ext cx="0" cy="0"/>
+          <a:chOff x="0" y="0"/>
+          <a:chExt cx="0" cy="0"/>
+        </a:xfrm>
+      </p:grpSpPr>
+      <p:sp>
+        <p:nvSpPr>
           <p:cNvPr id="2" name="日期版面配置區 1"/>
           <p:cNvSpPr>
             <a:spLocks noGrp="1"/>
@@ -8317,7 +8978,12 @@
             <p:ph type="dt" sz="half" idx="10"/>
           </p:nvPr>
         </p:nvSpPr>
-        <p:spPr/>
+        <p:spPr>
+          <a:xfrm>
+            <a:off x="457200" y="6140326"/>
+            <a:ext cx="2133600" cy="365125"/>
+          </a:xfrm>
+        </p:spPr>
         <p:txBody>
           <a:bodyPr/>
           <a:lstStyle/>
@@ -8325,7 +8991,7 @@
             <a:fld id="{AE60F580-3963-4466-A2CB-E922CD6E4E35}" type="datetime1">
               <a:rPr lang="zh-TW" altLang="en-US" smtClean="0"/>
               <a:pPr/>
-              <a:t>2017/8/20</a:t>
+              <a:t>2017/8/25</a:t>
             </a:fld>
             <a:endParaRPr lang="en-US" altLang="zh-TW"/>
           </a:p>
@@ -8462,7 +9128,7 @@
         </p:nvSpPr>
         <p:spPr>
           <a:xfrm>
-            <a:off x="2267744" y="2636912"/>
+            <a:off x="2699792" y="2636912"/>
             <a:ext cx="1461300" cy="777600"/>
           </a:xfrm>
           <a:prstGeom prst="rect">
@@ -8515,8 +9181,8 @@
         </p:nvSpPr>
         <p:spPr>
           <a:xfrm>
-            <a:off x="251520" y="2204864"/>
-            <a:ext cx="1440160" cy="648072"/>
+            <a:off x="251520" y="2132856"/>
+            <a:ext cx="1728192" cy="360040"/>
           </a:xfrm>
           <a:prstGeom prst="ellipse">
             <a:avLst/>
@@ -8547,14 +9213,14 @@
           <a:p>
             <a:pPr algn="ctr"/>
             <a:r>
-              <a:rPr lang="en-US" altLang="zh-TW" dirty="0" smtClean="0">
+              <a:rPr lang="en-US" altLang="zh-TW" sz="1200" dirty="0" smtClean="0">
                 <a:solidFill>
                   <a:schemeClr val="tx1"/>
                 </a:solidFill>
               </a:rPr>
-              <a:t>nickname</a:t>
-            </a:r>
-            <a:endParaRPr lang="zh-TW" altLang="en-US" dirty="0">
+              <a:t>name</a:t>
+            </a:r>
+            <a:endParaRPr lang="zh-TW" altLang="en-US" sz="1200" dirty="0">
               <a:solidFill>
                 <a:schemeClr val="tx1"/>
               </a:solidFill>
@@ -8570,8 +9236,8 @@
         </p:nvSpPr>
         <p:spPr>
           <a:xfrm>
-            <a:off x="683568" y="3356992"/>
-            <a:ext cx="1008112" cy="648072"/>
+            <a:off x="1115616" y="3068960"/>
+            <a:ext cx="1368152" cy="360040"/>
           </a:xfrm>
           <a:prstGeom prst="ellipse">
             <a:avLst/>
@@ -8602,14 +9268,14 @@
           <a:p>
             <a:pPr algn="ctr"/>
             <a:r>
-              <a:rPr lang="en-US" altLang="zh-TW" dirty="0" smtClean="0">
+              <a:rPr lang="en-US" altLang="zh-TW" sz="1200" dirty="0" smtClean="0">
                 <a:solidFill>
                   <a:schemeClr val="tx1"/>
                 </a:solidFill>
               </a:rPr>
               <a:t>Birthday</a:t>
             </a:r>
-            <a:endParaRPr lang="zh-TW" altLang="en-US" dirty="0">
+            <a:endParaRPr lang="zh-TW" altLang="en-US" sz="1200" dirty="0">
               <a:solidFill>
                 <a:schemeClr val="tx1"/>
               </a:solidFill>
@@ -8625,8 +9291,8 @@
         </p:nvSpPr>
         <p:spPr>
           <a:xfrm>
-            <a:off x="251520" y="1268760"/>
-            <a:ext cx="2016224" cy="648072"/>
+            <a:off x="899592" y="476672"/>
+            <a:ext cx="1512168" cy="504056"/>
           </a:xfrm>
           <a:prstGeom prst="ellipse">
             <a:avLst/>
@@ -8657,14 +9323,14 @@
           <a:p>
             <a:pPr algn="ctr"/>
             <a:r>
-              <a:rPr lang="en-US" altLang="zh-TW" dirty="0" smtClean="0">
+              <a:rPr lang="en-US" altLang="zh-TW" sz="1200" dirty="0" smtClean="0">
                 <a:solidFill>
                   <a:schemeClr val="tx1"/>
                 </a:solidFill>
               </a:rPr>
               <a:t>id</a:t>
             </a:r>
-            <a:endParaRPr lang="zh-TW" altLang="en-US" dirty="0">
+            <a:endParaRPr lang="zh-TW" altLang="en-US" sz="1200" dirty="0">
               <a:solidFill>
                 <a:schemeClr val="tx1"/>
               </a:solidFill>
@@ -8712,12 +9378,12 @@
           <a:p>
             <a:pPr algn="ctr"/>
             <a:r>
-              <a:rPr lang="en-US" altLang="zh-TW" dirty="0" err="1" smtClean="0">
+              <a:rPr lang="en-US" altLang="zh-TW" dirty="0" smtClean="0">
                 <a:solidFill>
                   <a:schemeClr val="tx1"/>
                 </a:solidFill>
               </a:rPr>
-              <a:t>memo_id</a:t>
+              <a:t>id</a:t>
             </a:r>
             <a:endParaRPr lang="zh-TW" altLang="en-US" dirty="0">
               <a:solidFill>
@@ -8738,8 +9404,8 @@
         </p:nvCxnSpPr>
         <p:spPr>
           <a:xfrm>
-            <a:off x="3729044" y="3025712"/>
-            <a:ext cx="1491028" cy="0"/>
+            <a:off x="4161092" y="3025712"/>
+            <a:ext cx="1058980" cy="0"/>
           </a:xfrm>
           <a:prstGeom prst="line">
             <a:avLst/>
@@ -8768,7 +9434,7 @@
         </p:nvCxnSpPr>
         <p:spPr>
           <a:xfrm>
-            <a:off x="3995936" y="2852936"/>
+            <a:off x="4283968" y="2852936"/>
             <a:ext cx="0" cy="360040"/>
           </a:xfrm>
           <a:prstGeom prst="line">
@@ -8973,12 +9639,12 @@
           <a:p>
             <a:pPr algn="ctr"/>
             <a:r>
-              <a:rPr lang="en-US" altLang="zh-TW" dirty="0" err="1" smtClean="0">
+              <a:rPr lang="en-US" altLang="zh-TW" dirty="0" smtClean="0">
                 <a:solidFill>
                   <a:schemeClr val="tx1"/>
                 </a:solidFill>
               </a:rPr>
-              <a:t>memo_date</a:t>
+              <a:t>topic</a:t>
             </a:r>
             <a:endParaRPr lang="zh-TW" altLang="en-US" dirty="0">
               <a:solidFill>
@@ -9088,7 +9754,7 @@
                   <a:schemeClr val="tx1"/>
                 </a:solidFill>
               </a:rPr>
-              <a:t>priority</a:t>
+              <a:t>type</a:t>
             </a:r>
             <a:endParaRPr lang="zh-TW" altLang="en-US" dirty="0">
               <a:solidFill>
@@ -9109,8 +9775,8 @@
         </p:nvCxnSpPr>
         <p:spPr>
           <a:xfrm>
-            <a:off x="1972475" y="1821924"/>
-            <a:ext cx="295269" cy="1203788"/>
+            <a:off x="2190308" y="906911"/>
+            <a:ext cx="509484" cy="2118801"/>
           </a:xfrm>
           <a:prstGeom prst="line">
             <a:avLst/>
@@ -9142,8 +9808,8 @@
         </p:nvCxnSpPr>
         <p:spPr>
           <a:xfrm>
-            <a:off x="1691680" y="2528900"/>
-            <a:ext cx="576064" cy="496812"/>
+            <a:off x="1979712" y="2312876"/>
+            <a:ext cx="720080" cy="712836"/>
           </a:xfrm>
           <a:prstGeom prst="line">
             <a:avLst/>
@@ -9175,8 +9841,8 @@
         </p:nvCxnSpPr>
         <p:spPr>
           <a:xfrm flipV="1">
-            <a:off x="1691680" y="3025712"/>
-            <a:ext cx="576064" cy="655316"/>
+            <a:off x="2483768" y="3025712"/>
+            <a:ext cx="216024" cy="223268"/>
           </a:xfrm>
           <a:prstGeom prst="line">
             <a:avLst/>
@@ -9336,8 +10002,8 @@
         </p:nvSpPr>
         <p:spPr>
           <a:xfrm>
-            <a:off x="6876256" y="620688"/>
-            <a:ext cx="1872208" cy="648072"/>
+            <a:off x="6876256" y="476672"/>
+            <a:ext cx="1872208" cy="792088"/>
           </a:xfrm>
           <a:prstGeom prst="ellipse">
             <a:avLst/>
@@ -9368,14 +10034,30 @@
           <a:p>
             <a:pPr algn="ctr"/>
             <a:r>
-              <a:rPr lang="en-US" altLang="zh-TW" dirty="0" smtClean="0">
+              <a:rPr lang="en-US" altLang="zh-TW" sz="1400" dirty="0" smtClean="0">
                 <a:solidFill>
                   <a:schemeClr val="tx1"/>
                 </a:solidFill>
               </a:rPr>
-              <a:t>nickname</a:t>
-            </a:r>
-            <a:endParaRPr lang="zh-TW" altLang="en-US" dirty="0">
+              <a:t>Name (Author, </a:t>
+            </a:r>
+            <a:r>
+              <a:rPr lang="en-US" altLang="zh-TW" sz="1400" dirty="0" smtClean="0">
+                <a:solidFill>
+                  <a:schemeClr val="tx1"/>
+                </a:solidFill>
+              </a:rPr>
+              <a:t>Foreign Key</a:t>
+            </a:r>
+            <a:r>
+              <a:rPr lang="en-US" altLang="zh-TW" sz="1400" dirty="0" smtClean="0">
+                <a:solidFill>
+                  <a:schemeClr val="tx1"/>
+                </a:solidFill>
+              </a:rPr>
+              <a:t>)</a:t>
+            </a:r>
+            <a:endParaRPr lang="zh-TW" altLang="en-US" sz="1400" dirty="0">
               <a:solidFill>
                 <a:schemeClr val="tx1"/>
               </a:solidFill>
@@ -9393,8 +10075,8 @@
         </p:nvCxnSpPr>
         <p:spPr>
           <a:xfrm flipH="1">
-            <a:off x="6660232" y="944724"/>
-            <a:ext cx="216024" cy="1980220"/>
+            <a:off x="6660232" y="872716"/>
+            <a:ext cx="216024" cy="2052228"/>
           </a:xfrm>
           <a:prstGeom prst="line">
             <a:avLst/>
@@ -9415,6 +10097,1549 @@
           </a:fontRef>
         </p:style>
       </p:cxnSp>
+      <p:sp>
+        <p:nvSpPr>
+          <p:cNvPr id="39" name="橢圓 38"/>
+          <p:cNvSpPr/>
+          <p:nvPr/>
+        </p:nvSpPr>
+        <p:spPr>
+          <a:xfrm>
+            <a:off x="0" y="1124744"/>
+            <a:ext cx="2016224" cy="432048"/>
+          </a:xfrm>
+          <a:prstGeom prst="ellipse">
+            <a:avLst/>
+          </a:prstGeom>
+          <a:solidFill>
+            <a:schemeClr val="bg1"/>
+          </a:solidFill>
+        </p:spPr>
+        <p:style>
+          <a:lnRef idx="2">
+            <a:schemeClr val="accent1">
+              <a:shade val="50000"/>
+            </a:schemeClr>
+          </a:lnRef>
+          <a:fillRef idx="1">
+            <a:schemeClr val="accent1"/>
+          </a:fillRef>
+          <a:effectRef idx="0">
+            <a:schemeClr val="accent1"/>
+          </a:effectRef>
+          <a:fontRef idx="minor">
+            <a:schemeClr val="lt1"/>
+          </a:fontRef>
+        </p:style>
+        <p:txBody>
+          <a:bodyPr rtlCol="0" anchor="ctr"/>
+          <a:lstStyle/>
+          <a:p>
+            <a:pPr algn="ctr"/>
+            <a:r>
+              <a:rPr lang="en-US" altLang="zh-TW" sz="1200" dirty="0" smtClean="0">
+                <a:solidFill>
+                  <a:schemeClr val="tx1"/>
+                </a:solidFill>
+              </a:rPr>
+              <a:t>account</a:t>
+            </a:r>
+            <a:endParaRPr lang="zh-TW" altLang="en-US" sz="1200" dirty="0">
+              <a:solidFill>
+                <a:schemeClr val="tx1"/>
+              </a:solidFill>
+            </a:endParaRPr>
+          </a:p>
+        </p:txBody>
+      </p:sp>
+      <p:sp>
+        <p:nvSpPr>
+          <p:cNvPr id="43" name="橢圓 42"/>
+          <p:cNvSpPr/>
+          <p:nvPr/>
+        </p:nvSpPr>
+        <p:spPr>
+          <a:xfrm>
+            <a:off x="0" y="3789040"/>
+            <a:ext cx="827584" cy="360040"/>
+          </a:xfrm>
+          <a:prstGeom prst="ellipse">
+            <a:avLst/>
+          </a:prstGeom>
+          <a:solidFill>
+            <a:schemeClr val="bg1"/>
+          </a:solidFill>
+        </p:spPr>
+        <p:style>
+          <a:lnRef idx="2">
+            <a:schemeClr val="accent1">
+              <a:shade val="50000"/>
+            </a:schemeClr>
+          </a:lnRef>
+          <a:fillRef idx="1">
+            <a:schemeClr val="accent1"/>
+          </a:fillRef>
+          <a:effectRef idx="0">
+            <a:schemeClr val="accent1"/>
+          </a:effectRef>
+          <a:fontRef idx="minor">
+            <a:schemeClr val="lt1"/>
+          </a:fontRef>
+        </p:style>
+        <p:txBody>
+          <a:bodyPr rtlCol="0" anchor="ctr"/>
+          <a:lstStyle/>
+          <a:p>
+            <a:pPr algn="ctr"/>
+            <a:r>
+              <a:rPr lang="en-US" altLang="zh-TW" sz="1200" dirty="0" smtClean="0">
+                <a:solidFill>
+                  <a:schemeClr val="tx1"/>
+                </a:solidFill>
+              </a:rPr>
+              <a:t>Birth-date</a:t>
+            </a:r>
+            <a:endParaRPr lang="zh-TW" altLang="en-US" sz="1200" dirty="0">
+              <a:solidFill>
+                <a:schemeClr val="tx1"/>
+              </a:solidFill>
+            </a:endParaRPr>
+          </a:p>
+        </p:txBody>
+      </p:sp>
+      <p:sp>
+        <p:nvSpPr>
+          <p:cNvPr id="44" name="橢圓 43"/>
+          <p:cNvSpPr/>
+          <p:nvPr/>
+        </p:nvSpPr>
+        <p:spPr>
+          <a:xfrm>
+            <a:off x="0" y="3212976"/>
+            <a:ext cx="971600" cy="288032"/>
+          </a:xfrm>
+          <a:prstGeom prst="ellipse">
+            <a:avLst/>
+          </a:prstGeom>
+          <a:solidFill>
+            <a:schemeClr val="bg1"/>
+          </a:solidFill>
+        </p:spPr>
+        <p:style>
+          <a:lnRef idx="2">
+            <a:schemeClr val="accent1">
+              <a:shade val="50000"/>
+            </a:schemeClr>
+          </a:lnRef>
+          <a:fillRef idx="1">
+            <a:schemeClr val="accent1"/>
+          </a:fillRef>
+          <a:effectRef idx="0">
+            <a:schemeClr val="accent1"/>
+          </a:effectRef>
+          <a:fontRef idx="minor">
+            <a:schemeClr val="lt1"/>
+          </a:fontRef>
+        </p:style>
+        <p:txBody>
+          <a:bodyPr rtlCol="0" anchor="ctr"/>
+          <a:lstStyle/>
+          <a:p>
+            <a:pPr algn="ctr"/>
+            <a:r>
+              <a:rPr lang="en-US" altLang="zh-TW" sz="1200" dirty="0" err="1" smtClean="0">
+                <a:solidFill>
+                  <a:schemeClr val="tx1"/>
+                </a:solidFill>
+              </a:rPr>
+              <a:t>Birth_month</a:t>
+            </a:r>
+            <a:endParaRPr lang="zh-TW" altLang="en-US" sz="1200" dirty="0">
+              <a:solidFill>
+                <a:schemeClr val="tx1"/>
+              </a:solidFill>
+            </a:endParaRPr>
+          </a:p>
+        </p:txBody>
+      </p:sp>
+      <p:sp>
+        <p:nvSpPr>
+          <p:cNvPr id="45" name="橢圓 44"/>
+          <p:cNvSpPr/>
+          <p:nvPr/>
+        </p:nvSpPr>
+        <p:spPr>
+          <a:xfrm>
+            <a:off x="0" y="2780928"/>
+            <a:ext cx="1259632" cy="360040"/>
+          </a:xfrm>
+          <a:prstGeom prst="ellipse">
+            <a:avLst/>
+          </a:prstGeom>
+          <a:solidFill>
+            <a:schemeClr val="bg1"/>
+          </a:solidFill>
+        </p:spPr>
+        <p:style>
+          <a:lnRef idx="2">
+            <a:schemeClr val="accent1">
+              <a:shade val="50000"/>
+            </a:schemeClr>
+          </a:lnRef>
+          <a:fillRef idx="1">
+            <a:schemeClr val="accent1"/>
+          </a:fillRef>
+          <a:effectRef idx="0">
+            <a:schemeClr val="accent1"/>
+          </a:effectRef>
+          <a:fontRef idx="minor">
+            <a:schemeClr val="lt1"/>
+          </a:fontRef>
+        </p:style>
+        <p:txBody>
+          <a:bodyPr rtlCol="0" anchor="ctr"/>
+          <a:lstStyle/>
+          <a:p>
+            <a:pPr algn="ctr"/>
+            <a:r>
+              <a:rPr lang="en-US" altLang="zh-TW" sz="1200" dirty="0" smtClean="0">
+                <a:solidFill>
+                  <a:schemeClr val="tx1"/>
+                </a:solidFill>
+              </a:rPr>
+              <a:t>Birth-year</a:t>
+            </a:r>
+            <a:endParaRPr lang="zh-TW" altLang="en-US" sz="1200" dirty="0">
+              <a:solidFill>
+                <a:schemeClr val="tx1"/>
+              </a:solidFill>
+            </a:endParaRPr>
+          </a:p>
+        </p:txBody>
+      </p:sp>
+      <p:sp>
+        <p:nvSpPr>
+          <p:cNvPr id="54" name="橢圓 53"/>
+          <p:cNvSpPr/>
+          <p:nvPr/>
+        </p:nvSpPr>
+        <p:spPr>
+          <a:xfrm>
+            <a:off x="251520" y="1700808"/>
+            <a:ext cx="1728192" cy="360040"/>
+          </a:xfrm>
+          <a:prstGeom prst="ellipse">
+            <a:avLst/>
+          </a:prstGeom>
+          <a:solidFill>
+            <a:schemeClr val="bg1"/>
+          </a:solidFill>
+        </p:spPr>
+        <p:style>
+          <a:lnRef idx="2">
+            <a:schemeClr val="accent1">
+              <a:shade val="50000"/>
+            </a:schemeClr>
+          </a:lnRef>
+          <a:fillRef idx="1">
+            <a:schemeClr val="accent1"/>
+          </a:fillRef>
+          <a:effectRef idx="0">
+            <a:schemeClr val="accent1"/>
+          </a:effectRef>
+          <a:fontRef idx="minor">
+            <a:schemeClr val="lt1"/>
+          </a:fontRef>
+        </p:style>
+        <p:txBody>
+          <a:bodyPr rtlCol="0" anchor="ctr"/>
+          <a:lstStyle/>
+          <a:p>
+            <a:pPr algn="ctr"/>
+            <a:r>
+              <a:rPr lang="en-US" altLang="zh-TW" sz="1200" dirty="0" err="1" smtClean="0">
+                <a:solidFill>
+                  <a:schemeClr val="tx1"/>
+                </a:solidFill>
+              </a:rPr>
+              <a:t>Password_hash</a:t>
+            </a:r>
+            <a:endParaRPr lang="zh-TW" altLang="en-US" sz="1200" dirty="0">
+              <a:solidFill>
+                <a:schemeClr val="tx1"/>
+              </a:solidFill>
+            </a:endParaRPr>
+          </a:p>
+        </p:txBody>
+      </p:sp>
+      <p:cxnSp>
+        <p:nvCxnSpPr>
+          <p:cNvPr id="62" name="直線接點 61"/>
+          <p:cNvCxnSpPr>
+            <a:stCxn id="39" idx="6"/>
+            <a:endCxn id="4" idx="1"/>
+          </p:cNvCxnSpPr>
+          <p:nvPr/>
+        </p:nvCxnSpPr>
+        <p:spPr>
+          <a:xfrm>
+            <a:off x="2016224" y="1340768"/>
+            <a:ext cx="683568" cy="1684944"/>
+          </a:xfrm>
+          <a:prstGeom prst="line">
+            <a:avLst/>
+          </a:prstGeom>
+        </p:spPr>
+        <p:style>
+          <a:lnRef idx="1">
+            <a:schemeClr val="accent1"/>
+          </a:lnRef>
+          <a:fillRef idx="0">
+            <a:schemeClr val="accent1"/>
+          </a:fillRef>
+          <a:effectRef idx="0">
+            <a:schemeClr val="accent1"/>
+          </a:effectRef>
+          <a:fontRef idx="minor">
+            <a:schemeClr val="tx1"/>
+          </a:fontRef>
+        </p:style>
+      </p:cxnSp>
+      <p:cxnSp>
+        <p:nvCxnSpPr>
+          <p:cNvPr id="64" name="直線接點 63"/>
+          <p:cNvCxnSpPr>
+            <a:stCxn id="45" idx="6"/>
+            <a:endCxn id="6" idx="2"/>
+          </p:cNvCxnSpPr>
+          <p:nvPr/>
+        </p:nvCxnSpPr>
+        <p:spPr>
+          <a:xfrm flipH="1">
+            <a:off x="1115616" y="2960948"/>
+            <a:ext cx="144016" cy="288032"/>
+          </a:xfrm>
+          <a:prstGeom prst="line">
+            <a:avLst/>
+          </a:prstGeom>
+        </p:spPr>
+        <p:style>
+          <a:lnRef idx="1">
+            <a:schemeClr val="accent1"/>
+          </a:lnRef>
+          <a:fillRef idx="0">
+            <a:schemeClr val="accent1"/>
+          </a:fillRef>
+          <a:effectRef idx="0">
+            <a:schemeClr val="accent1"/>
+          </a:effectRef>
+          <a:fontRef idx="minor">
+            <a:schemeClr val="tx1"/>
+          </a:fontRef>
+        </p:style>
+      </p:cxnSp>
+      <p:cxnSp>
+        <p:nvCxnSpPr>
+          <p:cNvPr id="66" name="直線接點 65"/>
+          <p:cNvCxnSpPr>
+            <a:stCxn id="44" idx="6"/>
+            <a:endCxn id="6" idx="2"/>
+          </p:cNvCxnSpPr>
+          <p:nvPr/>
+        </p:nvCxnSpPr>
+        <p:spPr>
+          <a:xfrm flipV="1">
+            <a:off x="971600" y="3248980"/>
+            <a:ext cx="144016" cy="108012"/>
+          </a:xfrm>
+          <a:prstGeom prst="line">
+            <a:avLst/>
+          </a:prstGeom>
+        </p:spPr>
+        <p:style>
+          <a:lnRef idx="1">
+            <a:schemeClr val="accent1"/>
+          </a:lnRef>
+          <a:fillRef idx="0">
+            <a:schemeClr val="accent1"/>
+          </a:fillRef>
+          <a:effectRef idx="0">
+            <a:schemeClr val="accent1"/>
+          </a:effectRef>
+          <a:fontRef idx="minor">
+            <a:schemeClr val="tx1"/>
+          </a:fontRef>
+        </p:style>
+      </p:cxnSp>
+      <p:cxnSp>
+        <p:nvCxnSpPr>
+          <p:cNvPr id="68" name="直線接點 67"/>
+          <p:cNvCxnSpPr>
+            <a:stCxn id="43" idx="6"/>
+            <a:endCxn id="6" idx="2"/>
+          </p:cNvCxnSpPr>
+          <p:nvPr/>
+        </p:nvCxnSpPr>
+        <p:spPr>
+          <a:xfrm flipV="1">
+            <a:off x="827584" y="3248980"/>
+            <a:ext cx="288032" cy="720080"/>
+          </a:xfrm>
+          <a:prstGeom prst="line">
+            <a:avLst/>
+          </a:prstGeom>
+        </p:spPr>
+        <p:style>
+          <a:lnRef idx="1">
+            <a:schemeClr val="accent1"/>
+          </a:lnRef>
+          <a:fillRef idx="0">
+            <a:schemeClr val="accent1"/>
+          </a:fillRef>
+          <a:effectRef idx="0">
+            <a:schemeClr val="accent1"/>
+          </a:effectRef>
+          <a:fontRef idx="minor">
+            <a:schemeClr val="tx1"/>
+          </a:fontRef>
+        </p:style>
+      </p:cxnSp>
+      <p:sp>
+        <p:nvSpPr>
+          <p:cNvPr id="69" name="橢圓 68"/>
+          <p:cNvSpPr/>
+          <p:nvPr/>
+        </p:nvSpPr>
+        <p:spPr>
+          <a:xfrm>
+            <a:off x="1043608" y="3573016"/>
+            <a:ext cx="1512168" cy="360040"/>
+          </a:xfrm>
+          <a:prstGeom prst="ellipse">
+            <a:avLst/>
+          </a:prstGeom>
+          <a:solidFill>
+            <a:schemeClr val="bg1"/>
+          </a:solidFill>
+        </p:spPr>
+        <p:style>
+          <a:lnRef idx="2">
+            <a:schemeClr val="accent1">
+              <a:shade val="50000"/>
+            </a:schemeClr>
+          </a:lnRef>
+          <a:fillRef idx="1">
+            <a:schemeClr val="accent1"/>
+          </a:fillRef>
+          <a:effectRef idx="0">
+            <a:schemeClr val="accent1"/>
+          </a:effectRef>
+          <a:fontRef idx="minor">
+            <a:schemeClr val="lt1"/>
+          </a:fontRef>
+        </p:style>
+        <p:txBody>
+          <a:bodyPr rtlCol="0" anchor="ctr"/>
+          <a:lstStyle/>
+          <a:p>
+            <a:pPr algn="ctr"/>
+            <a:r>
+              <a:rPr lang="en-US" altLang="zh-TW" sz="1200" dirty="0" smtClean="0">
+                <a:solidFill>
+                  <a:schemeClr val="tx1"/>
+                </a:solidFill>
+              </a:rPr>
+              <a:t>telephone</a:t>
+            </a:r>
+            <a:endParaRPr lang="zh-TW" altLang="en-US" sz="1200" dirty="0">
+              <a:solidFill>
+                <a:schemeClr val="tx1"/>
+              </a:solidFill>
+            </a:endParaRPr>
+          </a:p>
+        </p:txBody>
+      </p:sp>
+      <p:sp>
+        <p:nvSpPr>
+          <p:cNvPr id="70" name="橢圓 69"/>
+          <p:cNvSpPr/>
+          <p:nvPr/>
+        </p:nvSpPr>
+        <p:spPr>
+          <a:xfrm>
+            <a:off x="1043608" y="4005064"/>
+            <a:ext cx="1512168" cy="288032"/>
+          </a:xfrm>
+          <a:prstGeom prst="ellipse">
+            <a:avLst/>
+          </a:prstGeom>
+          <a:solidFill>
+            <a:schemeClr val="bg1"/>
+          </a:solidFill>
+        </p:spPr>
+        <p:style>
+          <a:lnRef idx="2">
+            <a:schemeClr val="accent1">
+              <a:shade val="50000"/>
+            </a:schemeClr>
+          </a:lnRef>
+          <a:fillRef idx="1">
+            <a:schemeClr val="accent1"/>
+          </a:fillRef>
+          <a:effectRef idx="0">
+            <a:schemeClr val="accent1"/>
+          </a:effectRef>
+          <a:fontRef idx="minor">
+            <a:schemeClr val="lt1"/>
+          </a:fontRef>
+        </p:style>
+        <p:txBody>
+          <a:bodyPr rtlCol="0" anchor="ctr"/>
+          <a:lstStyle/>
+          <a:p>
+            <a:pPr algn="ctr"/>
+            <a:r>
+              <a:rPr lang="en-US" altLang="zh-TW" sz="1200" dirty="0" smtClean="0">
+                <a:solidFill>
+                  <a:schemeClr val="tx1"/>
+                </a:solidFill>
+              </a:rPr>
+              <a:t>email</a:t>
+            </a:r>
+            <a:endParaRPr lang="zh-TW" altLang="en-US" sz="1200" dirty="0">
+              <a:solidFill>
+                <a:schemeClr val="tx1"/>
+              </a:solidFill>
+            </a:endParaRPr>
+          </a:p>
+        </p:txBody>
+      </p:sp>
+      <p:sp>
+        <p:nvSpPr>
+          <p:cNvPr id="71" name="橢圓 70"/>
+          <p:cNvSpPr/>
+          <p:nvPr/>
+        </p:nvSpPr>
+        <p:spPr>
+          <a:xfrm>
+            <a:off x="1043608" y="4365104"/>
+            <a:ext cx="1512168" cy="288032"/>
+          </a:xfrm>
+          <a:prstGeom prst="ellipse">
+            <a:avLst/>
+          </a:prstGeom>
+          <a:solidFill>
+            <a:schemeClr val="bg1"/>
+          </a:solidFill>
+        </p:spPr>
+        <p:style>
+          <a:lnRef idx="2">
+            <a:schemeClr val="accent1">
+              <a:shade val="50000"/>
+            </a:schemeClr>
+          </a:lnRef>
+          <a:fillRef idx="1">
+            <a:schemeClr val="accent1"/>
+          </a:fillRef>
+          <a:effectRef idx="0">
+            <a:schemeClr val="accent1"/>
+          </a:effectRef>
+          <a:fontRef idx="minor">
+            <a:schemeClr val="lt1"/>
+          </a:fontRef>
+        </p:style>
+        <p:txBody>
+          <a:bodyPr rtlCol="0" anchor="ctr"/>
+          <a:lstStyle/>
+          <a:p>
+            <a:pPr algn="ctr"/>
+            <a:r>
+              <a:rPr lang="en-US" altLang="zh-TW" sz="1200" dirty="0" smtClean="0">
+                <a:solidFill>
+                  <a:schemeClr val="tx1"/>
+                </a:solidFill>
+              </a:rPr>
+              <a:t>address</a:t>
+            </a:r>
+            <a:endParaRPr lang="zh-TW" altLang="en-US" sz="1200" dirty="0">
+              <a:solidFill>
+                <a:schemeClr val="tx1"/>
+              </a:solidFill>
+            </a:endParaRPr>
+          </a:p>
+        </p:txBody>
+      </p:sp>
+      <p:sp>
+        <p:nvSpPr>
+          <p:cNvPr id="72" name="橢圓 71"/>
+          <p:cNvSpPr/>
+          <p:nvPr/>
+        </p:nvSpPr>
+        <p:spPr>
+          <a:xfrm>
+            <a:off x="1043608" y="4725144"/>
+            <a:ext cx="1512168" cy="288032"/>
+          </a:xfrm>
+          <a:prstGeom prst="ellipse">
+            <a:avLst/>
+          </a:prstGeom>
+          <a:solidFill>
+            <a:schemeClr val="bg1"/>
+          </a:solidFill>
+        </p:spPr>
+        <p:style>
+          <a:lnRef idx="2">
+            <a:schemeClr val="accent1">
+              <a:shade val="50000"/>
+            </a:schemeClr>
+          </a:lnRef>
+          <a:fillRef idx="1">
+            <a:schemeClr val="accent1"/>
+          </a:fillRef>
+          <a:effectRef idx="0">
+            <a:schemeClr val="accent1"/>
+          </a:effectRef>
+          <a:fontRef idx="minor">
+            <a:schemeClr val="lt1"/>
+          </a:fontRef>
+        </p:style>
+        <p:txBody>
+          <a:bodyPr rtlCol="0" anchor="ctr"/>
+          <a:lstStyle/>
+          <a:p>
+            <a:pPr algn="ctr"/>
+            <a:r>
+              <a:rPr lang="en-US" altLang="zh-TW" sz="1200" dirty="0" smtClean="0">
+                <a:solidFill>
+                  <a:schemeClr val="tx1"/>
+                </a:solidFill>
+              </a:rPr>
+              <a:t>info</a:t>
+            </a:r>
+            <a:endParaRPr lang="zh-TW" altLang="en-US" sz="1200" dirty="0">
+              <a:solidFill>
+                <a:schemeClr val="tx1"/>
+              </a:solidFill>
+            </a:endParaRPr>
+          </a:p>
+        </p:txBody>
+      </p:sp>
+      <p:sp>
+        <p:nvSpPr>
+          <p:cNvPr id="73" name="橢圓 72"/>
+          <p:cNvSpPr/>
+          <p:nvPr/>
+        </p:nvSpPr>
+        <p:spPr>
+          <a:xfrm>
+            <a:off x="1043608" y="5085184"/>
+            <a:ext cx="1512168" cy="288032"/>
+          </a:xfrm>
+          <a:prstGeom prst="ellipse">
+            <a:avLst/>
+          </a:prstGeom>
+          <a:solidFill>
+            <a:schemeClr val="bg1"/>
+          </a:solidFill>
+        </p:spPr>
+        <p:style>
+          <a:lnRef idx="2">
+            <a:schemeClr val="accent1">
+              <a:shade val="50000"/>
+            </a:schemeClr>
+          </a:lnRef>
+          <a:fillRef idx="1">
+            <a:schemeClr val="accent1"/>
+          </a:fillRef>
+          <a:effectRef idx="0">
+            <a:schemeClr val="accent1"/>
+          </a:effectRef>
+          <a:fontRef idx="minor">
+            <a:schemeClr val="lt1"/>
+          </a:fontRef>
+        </p:style>
+        <p:txBody>
+          <a:bodyPr rtlCol="0" anchor="ctr"/>
+          <a:lstStyle/>
+          <a:p>
+            <a:pPr algn="ctr"/>
+            <a:r>
+              <a:rPr lang="en-US" altLang="zh-TW" sz="1200" dirty="0" smtClean="0">
+                <a:solidFill>
+                  <a:schemeClr val="tx1"/>
+                </a:solidFill>
+              </a:rPr>
+              <a:t>gender</a:t>
+            </a:r>
+            <a:endParaRPr lang="zh-TW" altLang="en-US" sz="1200" dirty="0">
+              <a:solidFill>
+                <a:schemeClr val="tx1"/>
+              </a:solidFill>
+            </a:endParaRPr>
+          </a:p>
+        </p:txBody>
+      </p:sp>
+      <p:sp>
+        <p:nvSpPr>
+          <p:cNvPr id="74" name="橢圓 73"/>
+          <p:cNvSpPr/>
+          <p:nvPr/>
+        </p:nvSpPr>
+        <p:spPr>
+          <a:xfrm>
+            <a:off x="1043608" y="5445224"/>
+            <a:ext cx="1512168" cy="288032"/>
+          </a:xfrm>
+          <a:prstGeom prst="ellipse">
+            <a:avLst/>
+          </a:prstGeom>
+          <a:solidFill>
+            <a:schemeClr val="bg1"/>
+          </a:solidFill>
+        </p:spPr>
+        <p:style>
+          <a:lnRef idx="2">
+            <a:schemeClr val="accent1">
+              <a:shade val="50000"/>
+            </a:schemeClr>
+          </a:lnRef>
+          <a:fillRef idx="1">
+            <a:schemeClr val="accent1"/>
+          </a:fillRef>
+          <a:effectRef idx="0">
+            <a:schemeClr val="accent1"/>
+          </a:effectRef>
+          <a:fontRef idx="minor">
+            <a:schemeClr val="lt1"/>
+          </a:fontRef>
+        </p:style>
+        <p:txBody>
+          <a:bodyPr rtlCol="0" anchor="ctr"/>
+          <a:lstStyle/>
+          <a:p>
+            <a:pPr algn="ctr"/>
+            <a:r>
+              <a:rPr lang="en-US" altLang="zh-TW" sz="1200" dirty="0" smtClean="0">
+                <a:solidFill>
+                  <a:schemeClr val="tx1"/>
+                </a:solidFill>
+              </a:rPr>
+              <a:t>job</a:t>
+            </a:r>
+            <a:endParaRPr lang="zh-TW" altLang="en-US" sz="1200" dirty="0">
+              <a:solidFill>
+                <a:schemeClr val="tx1"/>
+              </a:solidFill>
+            </a:endParaRPr>
+          </a:p>
+        </p:txBody>
+      </p:sp>
+      <p:sp>
+        <p:nvSpPr>
+          <p:cNvPr id="75" name="橢圓 74"/>
+          <p:cNvSpPr/>
+          <p:nvPr/>
+        </p:nvSpPr>
+        <p:spPr>
+          <a:xfrm>
+            <a:off x="1043608" y="5805264"/>
+            <a:ext cx="1512168" cy="288032"/>
+          </a:xfrm>
+          <a:prstGeom prst="ellipse">
+            <a:avLst/>
+          </a:prstGeom>
+          <a:solidFill>
+            <a:schemeClr val="bg1"/>
+          </a:solidFill>
+        </p:spPr>
+        <p:style>
+          <a:lnRef idx="2">
+            <a:schemeClr val="accent1">
+              <a:shade val="50000"/>
+            </a:schemeClr>
+          </a:lnRef>
+          <a:fillRef idx="1">
+            <a:schemeClr val="accent1"/>
+          </a:fillRef>
+          <a:effectRef idx="0">
+            <a:schemeClr val="accent1"/>
+          </a:effectRef>
+          <a:fontRef idx="minor">
+            <a:schemeClr val="lt1"/>
+          </a:fontRef>
+        </p:style>
+        <p:txBody>
+          <a:bodyPr rtlCol="0" anchor="ctr"/>
+          <a:lstStyle/>
+          <a:p>
+            <a:pPr algn="ctr"/>
+            <a:r>
+              <a:rPr lang="en-US" altLang="zh-TW" sz="1200" dirty="0" err="1" smtClean="0">
+                <a:solidFill>
+                  <a:schemeClr val="tx1"/>
+                </a:solidFill>
+              </a:rPr>
+              <a:t>Create_time</a:t>
+            </a:r>
+            <a:endParaRPr lang="zh-TW" altLang="en-US" sz="1200" dirty="0">
+              <a:solidFill>
+                <a:schemeClr val="tx1"/>
+              </a:solidFill>
+            </a:endParaRPr>
+          </a:p>
+        </p:txBody>
+      </p:sp>
+      <p:sp>
+        <p:nvSpPr>
+          <p:cNvPr id="76" name="橢圓 75"/>
+          <p:cNvSpPr/>
+          <p:nvPr/>
+        </p:nvSpPr>
+        <p:spPr>
+          <a:xfrm>
+            <a:off x="971600" y="6165304"/>
+            <a:ext cx="1512168" cy="288032"/>
+          </a:xfrm>
+          <a:prstGeom prst="ellipse">
+            <a:avLst/>
+          </a:prstGeom>
+          <a:solidFill>
+            <a:schemeClr val="bg1"/>
+          </a:solidFill>
+        </p:spPr>
+        <p:style>
+          <a:lnRef idx="2">
+            <a:schemeClr val="accent1">
+              <a:shade val="50000"/>
+            </a:schemeClr>
+          </a:lnRef>
+          <a:fillRef idx="1">
+            <a:schemeClr val="accent1"/>
+          </a:fillRef>
+          <a:effectRef idx="0">
+            <a:schemeClr val="accent1"/>
+          </a:effectRef>
+          <a:fontRef idx="minor">
+            <a:schemeClr val="lt1"/>
+          </a:fontRef>
+        </p:style>
+        <p:txBody>
+          <a:bodyPr rtlCol="0" anchor="ctr"/>
+          <a:lstStyle/>
+          <a:p>
+            <a:pPr algn="ctr"/>
+            <a:r>
+              <a:rPr lang="en-US" altLang="zh-TW" sz="1200" dirty="0" err="1" smtClean="0">
+                <a:solidFill>
+                  <a:schemeClr val="tx1"/>
+                </a:solidFill>
+              </a:rPr>
+              <a:t>Login_time</a:t>
+            </a:r>
+            <a:endParaRPr lang="zh-TW" altLang="en-US" sz="1200" dirty="0">
+              <a:solidFill>
+                <a:schemeClr val="tx1"/>
+              </a:solidFill>
+            </a:endParaRPr>
+          </a:p>
+        </p:txBody>
+      </p:sp>
+      <p:sp>
+        <p:nvSpPr>
+          <p:cNvPr id="77" name="橢圓 76"/>
+          <p:cNvSpPr/>
+          <p:nvPr/>
+        </p:nvSpPr>
+        <p:spPr>
+          <a:xfrm>
+            <a:off x="1115616" y="6569968"/>
+            <a:ext cx="1512168" cy="288032"/>
+          </a:xfrm>
+          <a:prstGeom prst="ellipse">
+            <a:avLst/>
+          </a:prstGeom>
+          <a:solidFill>
+            <a:schemeClr val="bg1"/>
+          </a:solidFill>
+        </p:spPr>
+        <p:style>
+          <a:lnRef idx="2">
+            <a:schemeClr val="accent1">
+              <a:shade val="50000"/>
+            </a:schemeClr>
+          </a:lnRef>
+          <a:fillRef idx="1">
+            <a:schemeClr val="accent1"/>
+          </a:fillRef>
+          <a:effectRef idx="0">
+            <a:schemeClr val="accent1"/>
+          </a:effectRef>
+          <a:fontRef idx="minor">
+            <a:schemeClr val="lt1"/>
+          </a:fontRef>
+        </p:style>
+        <p:txBody>
+          <a:bodyPr rtlCol="0" anchor="ctr"/>
+          <a:lstStyle/>
+          <a:p>
+            <a:pPr algn="ctr"/>
+            <a:r>
+              <a:rPr lang="en-US" altLang="zh-TW" sz="1200" dirty="0" smtClean="0">
+                <a:solidFill>
+                  <a:schemeClr val="tx1"/>
+                </a:solidFill>
+              </a:rPr>
+              <a:t>active</a:t>
+            </a:r>
+            <a:endParaRPr lang="zh-TW" altLang="en-US" sz="1200" dirty="0">
+              <a:solidFill>
+                <a:schemeClr val="tx1"/>
+              </a:solidFill>
+            </a:endParaRPr>
+          </a:p>
+        </p:txBody>
+      </p:sp>
+      <p:cxnSp>
+        <p:nvCxnSpPr>
+          <p:cNvPr id="79" name="直線接點 78"/>
+          <p:cNvCxnSpPr>
+            <a:endCxn id="69" idx="6"/>
+          </p:cNvCxnSpPr>
+          <p:nvPr/>
+        </p:nvCxnSpPr>
+        <p:spPr>
+          <a:xfrm flipH="1">
+            <a:off x="2555776" y="3140968"/>
+            <a:ext cx="144016" cy="612068"/>
+          </a:xfrm>
+          <a:prstGeom prst="line">
+            <a:avLst/>
+          </a:prstGeom>
+        </p:spPr>
+        <p:style>
+          <a:lnRef idx="1">
+            <a:schemeClr val="accent1"/>
+          </a:lnRef>
+          <a:fillRef idx="0">
+            <a:schemeClr val="accent1"/>
+          </a:fillRef>
+          <a:effectRef idx="0">
+            <a:schemeClr val="accent1"/>
+          </a:effectRef>
+          <a:fontRef idx="minor">
+            <a:schemeClr val="tx1"/>
+          </a:fontRef>
+        </p:style>
+      </p:cxnSp>
+      <p:cxnSp>
+        <p:nvCxnSpPr>
+          <p:cNvPr id="81" name="直線接點 80"/>
+          <p:cNvCxnSpPr>
+            <a:stCxn id="4" idx="1"/>
+            <a:endCxn id="70" idx="6"/>
+          </p:cNvCxnSpPr>
+          <p:nvPr/>
+        </p:nvCxnSpPr>
+        <p:spPr>
+          <a:xfrm flipH="1">
+            <a:off x="2555776" y="3025712"/>
+            <a:ext cx="144016" cy="1123368"/>
+          </a:xfrm>
+          <a:prstGeom prst="line">
+            <a:avLst/>
+          </a:prstGeom>
+        </p:spPr>
+        <p:style>
+          <a:lnRef idx="1">
+            <a:schemeClr val="accent1"/>
+          </a:lnRef>
+          <a:fillRef idx="0">
+            <a:schemeClr val="accent1"/>
+          </a:fillRef>
+          <a:effectRef idx="0">
+            <a:schemeClr val="accent1"/>
+          </a:effectRef>
+          <a:fontRef idx="minor">
+            <a:schemeClr val="tx1"/>
+          </a:fontRef>
+        </p:style>
+      </p:cxnSp>
+      <p:cxnSp>
+        <p:nvCxnSpPr>
+          <p:cNvPr id="83" name="直線接點 82"/>
+          <p:cNvCxnSpPr>
+            <a:stCxn id="4" idx="1"/>
+            <a:endCxn id="71" idx="6"/>
+          </p:cNvCxnSpPr>
+          <p:nvPr/>
+        </p:nvCxnSpPr>
+        <p:spPr>
+          <a:xfrm flipH="1">
+            <a:off x="2555776" y="3025712"/>
+            <a:ext cx="144016" cy="1483408"/>
+          </a:xfrm>
+          <a:prstGeom prst="line">
+            <a:avLst/>
+          </a:prstGeom>
+        </p:spPr>
+        <p:style>
+          <a:lnRef idx="1">
+            <a:schemeClr val="accent1"/>
+          </a:lnRef>
+          <a:fillRef idx="0">
+            <a:schemeClr val="accent1"/>
+          </a:fillRef>
+          <a:effectRef idx="0">
+            <a:schemeClr val="accent1"/>
+          </a:effectRef>
+          <a:fontRef idx="minor">
+            <a:schemeClr val="tx1"/>
+          </a:fontRef>
+        </p:style>
+      </p:cxnSp>
+      <p:cxnSp>
+        <p:nvCxnSpPr>
+          <p:cNvPr id="84" name="直線接點 83"/>
+          <p:cNvCxnSpPr>
+            <a:stCxn id="4" idx="1"/>
+            <a:endCxn id="72" idx="6"/>
+          </p:cNvCxnSpPr>
+          <p:nvPr/>
+        </p:nvCxnSpPr>
+        <p:spPr>
+          <a:xfrm flipH="1">
+            <a:off x="2555776" y="3025712"/>
+            <a:ext cx="144016" cy="1843448"/>
+          </a:xfrm>
+          <a:prstGeom prst="line">
+            <a:avLst/>
+          </a:prstGeom>
+        </p:spPr>
+        <p:style>
+          <a:lnRef idx="1">
+            <a:schemeClr val="accent1"/>
+          </a:lnRef>
+          <a:fillRef idx="0">
+            <a:schemeClr val="accent1"/>
+          </a:fillRef>
+          <a:effectRef idx="0">
+            <a:schemeClr val="accent1"/>
+          </a:effectRef>
+          <a:fontRef idx="minor">
+            <a:schemeClr val="tx1"/>
+          </a:fontRef>
+        </p:style>
+      </p:cxnSp>
+      <p:cxnSp>
+        <p:nvCxnSpPr>
+          <p:cNvPr id="85" name="直線接點 84"/>
+          <p:cNvCxnSpPr>
+            <a:stCxn id="4" idx="1"/>
+            <a:endCxn id="73" idx="6"/>
+          </p:cNvCxnSpPr>
+          <p:nvPr/>
+        </p:nvCxnSpPr>
+        <p:spPr>
+          <a:xfrm flipH="1">
+            <a:off x="2555776" y="3025712"/>
+            <a:ext cx="144016" cy="2203488"/>
+          </a:xfrm>
+          <a:prstGeom prst="line">
+            <a:avLst/>
+          </a:prstGeom>
+        </p:spPr>
+        <p:style>
+          <a:lnRef idx="1">
+            <a:schemeClr val="accent1"/>
+          </a:lnRef>
+          <a:fillRef idx="0">
+            <a:schemeClr val="accent1"/>
+          </a:fillRef>
+          <a:effectRef idx="0">
+            <a:schemeClr val="accent1"/>
+          </a:effectRef>
+          <a:fontRef idx="minor">
+            <a:schemeClr val="tx1"/>
+          </a:fontRef>
+        </p:style>
+      </p:cxnSp>
+      <p:cxnSp>
+        <p:nvCxnSpPr>
+          <p:cNvPr id="86" name="直線接點 85"/>
+          <p:cNvCxnSpPr>
+            <a:stCxn id="4" idx="1"/>
+            <a:endCxn id="74" idx="6"/>
+          </p:cNvCxnSpPr>
+          <p:nvPr/>
+        </p:nvCxnSpPr>
+        <p:spPr>
+          <a:xfrm flipH="1">
+            <a:off x="2555776" y="3025712"/>
+            <a:ext cx="144016" cy="2563528"/>
+          </a:xfrm>
+          <a:prstGeom prst="line">
+            <a:avLst/>
+          </a:prstGeom>
+        </p:spPr>
+        <p:style>
+          <a:lnRef idx="1">
+            <a:schemeClr val="accent1"/>
+          </a:lnRef>
+          <a:fillRef idx="0">
+            <a:schemeClr val="accent1"/>
+          </a:fillRef>
+          <a:effectRef idx="0">
+            <a:schemeClr val="accent1"/>
+          </a:effectRef>
+          <a:fontRef idx="minor">
+            <a:schemeClr val="tx1"/>
+          </a:fontRef>
+        </p:style>
+      </p:cxnSp>
+      <p:cxnSp>
+        <p:nvCxnSpPr>
+          <p:cNvPr id="87" name="直線接點 86"/>
+          <p:cNvCxnSpPr>
+            <a:stCxn id="4" idx="1"/>
+            <a:endCxn id="75" idx="6"/>
+          </p:cNvCxnSpPr>
+          <p:nvPr/>
+        </p:nvCxnSpPr>
+        <p:spPr>
+          <a:xfrm flipH="1">
+            <a:off x="2555776" y="3025712"/>
+            <a:ext cx="144016" cy="2923568"/>
+          </a:xfrm>
+          <a:prstGeom prst="line">
+            <a:avLst/>
+          </a:prstGeom>
+        </p:spPr>
+        <p:style>
+          <a:lnRef idx="1">
+            <a:schemeClr val="accent1"/>
+          </a:lnRef>
+          <a:fillRef idx="0">
+            <a:schemeClr val="accent1"/>
+          </a:fillRef>
+          <a:effectRef idx="0">
+            <a:schemeClr val="accent1"/>
+          </a:effectRef>
+          <a:fontRef idx="minor">
+            <a:schemeClr val="tx1"/>
+          </a:fontRef>
+        </p:style>
+      </p:cxnSp>
+      <p:cxnSp>
+        <p:nvCxnSpPr>
+          <p:cNvPr id="88" name="直線接點 87"/>
+          <p:cNvCxnSpPr>
+            <a:stCxn id="4" idx="1"/>
+            <a:endCxn id="76" idx="6"/>
+          </p:cNvCxnSpPr>
+          <p:nvPr/>
+        </p:nvCxnSpPr>
+        <p:spPr>
+          <a:xfrm flipH="1">
+            <a:off x="2483768" y="3025712"/>
+            <a:ext cx="216024" cy="3283608"/>
+          </a:xfrm>
+          <a:prstGeom prst="line">
+            <a:avLst/>
+          </a:prstGeom>
+        </p:spPr>
+        <p:style>
+          <a:lnRef idx="1">
+            <a:schemeClr val="accent1"/>
+          </a:lnRef>
+          <a:fillRef idx="0">
+            <a:schemeClr val="accent1"/>
+          </a:fillRef>
+          <a:effectRef idx="0">
+            <a:schemeClr val="accent1"/>
+          </a:effectRef>
+          <a:fontRef idx="minor">
+            <a:schemeClr val="tx1"/>
+          </a:fontRef>
+        </p:style>
+      </p:cxnSp>
+      <p:cxnSp>
+        <p:nvCxnSpPr>
+          <p:cNvPr id="89" name="直線接點 88"/>
+          <p:cNvCxnSpPr>
+            <a:stCxn id="4" idx="1"/>
+            <a:endCxn id="77" idx="6"/>
+          </p:cNvCxnSpPr>
+          <p:nvPr/>
+        </p:nvCxnSpPr>
+        <p:spPr>
+          <a:xfrm flipH="1">
+            <a:off x="2627784" y="3025712"/>
+            <a:ext cx="72008" cy="3688272"/>
+          </a:xfrm>
+          <a:prstGeom prst="line">
+            <a:avLst/>
+          </a:prstGeom>
+        </p:spPr>
+        <p:style>
+          <a:lnRef idx="1">
+            <a:schemeClr val="accent1"/>
+          </a:lnRef>
+          <a:fillRef idx="0">
+            <a:schemeClr val="accent1"/>
+          </a:fillRef>
+          <a:effectRef idx="0">
+            <a:schemeClr val="accent1"/>
+          </a:effectRef>
+          <a:fontRef idx="minor">
+            <a:schemeClr val="tx1"/>
+          </a:fontRef>
+        </p:style>
+      </p:cxnSp>
+      <p:sp>
+        <p:nvSpPr>
+          <p:cNvPr id="106" name="橢圓 105"/>
+          <p:cNvSpPr/>
+          <p:nvPr/>
+        </p:nvSpPr>
+        <p:spPr>
+          <a:xfrm>
+            <a:off x="6876256" y="5373216"/>
+            <a:ext cx="2016224" cy="648072"/>
+          </a:xfrm>
+          <a:prstGeom prst="ellipse">
+            <a:avLst/>
+          </a:prstGeom>
+          <a:solidFill>
+            <a:schemeClr val="bg1"/>
+          </a:solidFill>
+        </p:spPr>
+        <p:style>
+          <a:lnRef idx="2">
+            <a:schemeClr val="accent1">
+              <a:shade val="50000"/>
+            </a:schemeClr>
+          </a:lnRef>
+          <a:fillRef idx="1">
+            <a:schemeClr val="accent1"/>
+          </a:fillRef>
+          <a:effectRef idx="0">
+            <a:schemeClr val="accent1"/>
+          </a:effectRef>
+          <a:fontRef idx="minor">
+            <a:schemeClr val="lt1"/>
+          </a:fontRef>
+        </p:style>
+        <p:txBody>
+          <a:bodyPr rtlCol="0" anchor="ctr"/>
+          <a:lstStyle/>
+          <a:p>
+            <a:pPr algn="ctr"/>
+            <a:r>
+              <a:rPr lang="en-US" altLang="zh-TW" dirty="0" smtClean="0">
+                <a:solidFill>
+                  <a:schemeClr val="tx1"/>
+                </a:solidFill>
+              </a:rPr>
+              <a:t>time</a:t>
+            </a:r>
+            <a:endParaRPr lang="zh-TW" altLang="en-US" dirty="0">
+              <a:solidFill>
+                <a:schemeClr val="tx1"/>
+              </a:solidFill>
+            </a:endParaRPr>
+          </a:p>
+        </p:txBody>
+      </p:sp>
+      <p:cxnSp>
+        <p:nvCxnSpPr>
+          <p:cNvPr id="108" name="直線接點 107"/>
+          <p:cNvCxnSpPr>
+            <a:stCxn id="7" idx="3"/>
+            <a:endCxn id="106" idx="2"/>
+          </p:cNvCxnSpPr>
+          <p:nvPr/>
+        </p:nvCxnSpPr>
+        <p:spPr>
+          <a:xfrm>
+            <a:off x="6681372" y="3025712"/>
+            <a:ext cx="194884" cy="2671540"/>
+          </a:xfrm>
+          <a:prstGeom prst="line">
+            <a:avLst/>
+          </a:prstGeom>
+        </p:spPr>
+        <p:style>
+          <a:lnRef idx="1">
+            <a:schemeClr val="accent1"/>
+          </a:lnRef>
+          <a:fillRef idx="0">
+            <a:schemeClr val="accent1"/>
+          </a:fillRef>
+          <a:effectRef idx="0">
+            <a:schemeClr val="accent1"/>
+          </a:effectRef>
+          <a:fontRef idx="minor">
+            <a:schemeClr val="tx1"/>
+          </a:fontRef>
+        </p:style>
+      </p:cxnSp>
+    </p:spTree>
+  </p:cSld>
+  <p:clrMapOvr>
+    <a:masterClrMapping/>
+  </p:clrMapOvr>
+  <p:timing>
+    <p:tnLst>
+      <p:par>
+        <p:cTn id="1" dur="indefinite" restart="never" nodeType="tmRoot"/>
+      </p:par>
+    </p:tnLst>
+  </p:timing>
+</p:sld>
+</file>
+
+<file path=ppt/slides/slide6.xml><?xml version="1.0" encoding="utf-8"?>
+<p:sld xmlns:a="http://schemas.openxmlformats.org/drawingml/2006/main" xmlns:r="http://schemas.openxmlformats.org/officeDocument/2006/relationships" xmlns:p="http://schemas.openxmlformats.org/presentationml/2006/main">
+  <p:cSld>
+    <p:spTree>
+      <p:nvGrpSpPr>
+        <p:cNvPr id="1" name=""/>
+        <p:cNvGrpSpPr/>
+        <p:nvPr/>
+      </p:nvGrpSpPr>
+      <p:grpSpPr>
+        <a:xfrm>
+          <a:off x="0" y="0"/>
+          <a:ext cx="0" cy="0"/>
+          <a:chOff x="0" y="0"/>
+          <a:chExt cx="0" cy="0"/>
+        </a:xfrm>
+      </p:grpSpPr>
+      <p:sp>
+        <p:nvSpPr>
+          <p:cNvPr id="4" name="日期版面配置區 3"/>
+          <p:cNvSpPr>
+            <a:spLocks noGrp="1"/>
+          </p:cNvSpPr>
+          <p:nvPr>
+            <p:ph type="dt" sz="half" idx="10"/>
+          </p:nvPr>
+        </p:nvSpPr>
+        <p:spPr/>
+        <p:txBody>
+          <a:bodyPr/>
+          <a:lstStyle/>
+          <a:p>
+            <a:fld id="{783D51FF-348A-4F85-9A37-9CF4D63C2B30}" type="datetime1">
+              <a:rPr lang="zh-TW" altLang="en-US" smtClean="0"/>
+              <a:pPr/>
+              <a:t>2017/8/25</a:t>
+            </a:fld>
+            <a:endParaRPr lang="en-US" altLang="zh-TW"/>
+          </a:p>
+        </p:txBody>
+      </p:sp>
+      <p:pic>
+        <p:nvPicPr>
+          <p:cNvPr id="1026" name="Picture 2"/>
+          <p:cNvPicPr>
+            <a:picLocks noChangeAspect="1" noChangeArrowheads="1"/>
+          </p:cNvPicPr>
+          <p:nvPr/>
+        </p:nvPicPr>
+        <p:blipFill>
+          <a:blip r:embed="rId2" cstate="print"/>
+          <a:srcRect/>
+          <a:stretch>
+            <a:fillRect/>
+          </a:stretch>
+        </p:blipFill>
+        <p:spPr bwMode="auto">
+          <a:xfrm>
+            <a:off x="144578" y="3429000"/>
+            <a:ext cx="8820472" cy="1556040"/>
+          </a:xfrm>
+          <a:prstGeom prst="rect">
+            <a:avLst/>
+          </a:prstGeom>
+          <a:noFill/>
+          <a:ln w="9525">
+            <a:noFill/>
+            <a:miter lim="800000"/>
+            <a:headEnd/>
+            <a:tailEnd/>
+          </a:ln>
+        </p:spPr>
+      </p:pic>
+      <p:sp>
+        <p:nvSpPr>
+          <p:cNvPr id="6" name="文字方塊 5"/>
+          <p:cNvSpPr txBox="1"/>
+          <p:nvPr/>
+        </p:nvSpPr>
+        <p:spPr>
+          <a:xfrm>
+            <a:off x="2987824" y="836712"/>
+            <a:ext cx="2355132" cy="523220"/>
+          </a:xfrm>
+          <a:prstGeom prst="rect">
+            <a:avLst/>
+          </a:prstGeom>
+          <a:noFill/>
+        </p:spPr>
+        <p:txBody>
+          <a:bodyPr wrap="none" rtlCol="0">
+            <a:spAutoFit/>
+          </a:bodyPr>
+          <a:lstStyle/>
+          <a:p>
+            <a:r>
+              <a:rPr lang="zh-TW" altLang="en-US" sz="2800" dirty="0" smtClean="0">
+                <a:latin typeface="+mn-lt"/>
+                <a:ea typeface="標楷體" pitchFamily="65" charset="-120"/>
+              </a:rPr>
+              <a:t>家庭成員</a:t>
+            </a:r>
+            <a:r>
+              <a:rPr lang="en-US" altLang="zh-TW" sz="2800" dirty="0" smtClean="0">
+                <a:latin typeface="+mn-lt"/>
+                <a:ea typeface="標楷體" pitchFamily="65" charset="-120"/>
+              </a:rPr>
+              <a:t>- 4</a:t>
+            </a:r>
+            <a:r>
+              <a:rPr lang="zh-TW" altLang="en-US" sz="2800" dirty="0" smtClean="0">
+                <a:latin typeface="+mn-lt"/>
+                <a:ea typeface="標楷體" pitchFamily="65" charset="-120"/>
+              </a:rPr>
+              <a:t>人</a:t>
+            </a:r>
+            <a:endParaRPr lang="zh-TW" altLang="en-US" sz="2800" dirty="0">
+              <a:latin typeface="+mn-lt"/>
+              <a:ea typeface="標楷體" pitchFamily="65" charset="-120"/>
+            </a:endParaRPr>
+          </a:p>
+        </p:txBody>
+      </p:sp>
+    </p:spTree>
+  </p:cSld>
+  <p:clrMapOvr>
+    <a:masterClrMapping/>
+  </p:clrMapOvr>
+  <p:timing>
+    <p:tnLst>
+      <p:par>
+        <p:cTn id="1" dur="indefinite" restart="never" nodeType="tmRoot"/>
+      </p:par>
+    </p:tnLst>
+  </p:timing>
+</p:sld>
+</file>
+
+<file path=ppt/slides/slide7.xml><?xml version="1.0" encoding="utf-8"?>
+<p:sld xmlns:a="http://schemas.openxmlformats.org/drawingml/2006/main" xmlns:r="http://schemas.openxmlformats.org/officeDocument/2006/relationships" xmlns:p="http://schemas.openxmlformats.org/presentationml/2006/main">
+  <p:cSld>
+    <p:spTree>
+      <p:nvGrpSpPr>
+        <p:cNvPr id="1" name=""/>
+        <p:cNvGrpSpPr/>
+        <p:nvPr/>
+      </p:nvGrpSpPr>
+      <p:grpSpPr>
+        <a:xfrm>
+          <a:off x="0" y="0"/>
+          <a:ext cx="0" cy="0"/>
+          <a:chOff x="0" y="0"/>
+          <a:chExt cx="0" cy="0"/>
+        </a:xfrm>
+      </p:grpSpPr>
+      <p:sp>
+        <p:nvSpPr>
+          <p:cNvPr id="2" name="標題 1"/>
+          <p:cNvSpPr>
+            <a:spLocks noGrp="1"/>
+          </p:cNvSpPr>
+          <p:nvPr>
+            <p:ph type="title"/>
+          </p:nvPr>
+        </p:nvSpPr>
+        <p:spPr/>
+        <p:txBody>
+          <a:bodyPr/>
+          <a:lstStyle/>
+          <a:p>
+            <a:r>
+              <a:rPr lang="en-US" altLang="zh-TW" dirty="0" err="1" smtClean="0"/>
+              <a:t>GitHub</a:t>
+            </a:r>
+            <a:endParaRPr lang="zh-TW" altLang="en-US" dirty="0"/>
+          </a:p>
+        </p:txBody>
+      </p:sp>
+      <p:sp>
+        <p:nvSpPr>
+          <p:cNvPr id="3" name="內容版面配置區 2"/>
+          <p:cNvSpPr>
+            <a:spLocks noGrp="1"/>
+          </p:cNvSpPr>
+          <p:nvPr>
+            <p:ph idx="1"/>
+          </p:nvPr>
+        </p:nvSpPr>
+        <p:spPr/>
+        <p:txBody>
+          <a:bodyPr/>
+          <a:lstStyle/>
+          <a:p>
+            <a:pPr>
+              <a:buNone/>
+            </a:pPr>
+            <a:r>
+              <a:rPr lang="en-US" altLang="zh-TW" dirty="0" smtClean="0">
+                <a:hlinkClick r:id="rId2"/>
+              </a:rPr>
+              <a:t>https://</a:t>
+            </a:r>
+            <a:r>
+              <a:rPr lang="en-US" altLang="zh-TW" dirty="0" smtClean="0">
+                <a:hlinkClick r:id="rId2"/>
+              </a:rPr>
+              <a:t>github.com/AntiAir/PHP_SQL_family_calendar</a:t>
+            </a:r>
+            <a:endParaRPr lang="en-US" altLang="zh-TW" dirty="0" smtClean="0"/>
+          </a:p>
+          <a:p>
+            <a:pPr>
+              <a:buNone/>
+            </a:pPr>
+            <a:endParaRPr lang="zh-TW" altLang="en-US" dirty="0"/>
+          </a:p>
+        </p:txBody>
+      </p:sp>
+      <p:sp>
+        <p:nvSpPr>
+          <p:cNvPr id="4" name="日期版面配置區 3"/>
+          <p:cNvSpPr>
+            <a:spLocks noGrp="1"/>
+          </p:cNvSpPr>
+          <p:nvPr>
+            <p:ph type="dt" sz="half" idx="10"/>
+          </p:nvPr>
+        </p:nvSpPr>
+        <p:spPr/>
+        <p:txBody>
+          <a:bodyPr/>
+          <a:lstStyle/>
+          <a:p>
+            <a:fld id="{783D51FF-348A-4F85-9A37-9CF4D63C2B30}" type="datetime1">
+              <a:rPr lang="zh-TW" altLang="en-US" smtClean="0"/>
+              <a:pPr/>
+              <a:t>2017/8/25</a:t>
+            </a:fld>
+            <a:endParaRPr lang="en-US" altLang="zh-TW"/>
+          </a:p>
+        </p:txBody>
+      </p:sp>
     </p:spTree>
   </p:cSld>
   <p:clrMapOvr>
@@ -9735,6 +11960,25 @@
         </a:fontRef>
       </a:style>
     </a:spDef>
+    <a:lnDef>
+      <a:spPr/>
+      <a:bodyPr/>
+      <a:lstStyle/>
+      <a:style>
+        <a:lnRef idx="1">
+          <a:schemeClr val="accent1"/>
+        </a:lnRef>
+        <a:fillRef idx="0">
+          <a:schemeClr val="accent1"/>
+        </a:fillRef>
+        <a:effectRef idx="0">
+          <a:schemeClr val="accent1"/>
+        </a:effectRef>
+        <a:fontRef idx="minor">
+          <a:schemeClr val="tx1"/>
+        </a:fontRef>
+      </a:style>
+    </a:lnDef>
   </a:objectDefaults>
   <a:extraClrSchemeLst/>
 </a:theme>
